--- a/mvccc_master_modern_dark.pptx
+++ b/mvccc_master_modern_dark.pptx
@@ -33,7 +33,7 @@
           <a:noFill/>
         </a:ln>
         <a:solidFill>
-          <a:srgbClr val="0B0F14"/>
+          <a:srgbClr val="000000"/>
         </a:solidFill>
         <a:effectLst/>
         <a:uFillTx/>
@@ -66,7 +66,7 @@
         <a:latin typeface="+mj-lt"/>
         <a:ea typeface="+mj-ea"/>
         <a:cs typeface="+mj-cs"/>
-        <a:sym typeface="Helvetica"/>
+        <a:sym typeface="Arial"/>
       </a:defRPr>
     </a:lvl1pPr>
     <a:lvl2pPr marL="0" marR="0" indent="0" algn="l" defTabSz="914400" rtl="0" fontAlgn="auto" latinLnBrk="0" hangingPunct="0">
@@ -96,7 +96,7 @@
         <a:latin typeface="+mj-lt"/>
         <a:ea typeface="+mj-ea"/>
         <a:cs typeface="+mj-cs"/>
-        <a:sym typeface="Helvetica"/>
+        <a:sym typeface="Arial"/>
       </a:defRPr>
     </a:lvl2pPr>
     <a:lvl3pPr marL="0" marR="0" indent="0" algn="l" defTabSz="914400" rtl="0" fontAlgn="auto" latinLnBrk="0" hangingPunct="0">
@@ -126,7 +126,7 @@
         <a:latin typeface="+mj-lt"/>
         <a:ea typeface="+mj-ea"/>
         <a:cs typeface="+mj-cs"/>
-        <a:sym typeface="Helvetica"/>
+        <a:sym typeface="Arial"/>
       </a:defRPr>
     </a:lvl3pPr>
     <a:lvl4pPr marL="0" marR="0" indent="0" algn="l" defTabSz="914400" rtl="0" fontAlgn="auto" latinLnBrk="0" hangingPunct="0">
@@ -156,7 +156,7 @@
         <a:latin typeface="+mj-lt"/>
         <a:ea typeface="+mj-ea"/>
         <a:cs typeface="+mj-cs"/>
-        <a:sym typeface="Helvetica"/>
+        <a:sym typeface="Arial"/>
       </a:defRPr>
     </a:lvl4pPr>
     <a:lvl5pPr marL="0" marR="0" indent="0" algn="l" defTabSz="914400" rtl="0" fontAlgn="auto" latinLnBrk="0" hangingPunct="0">
@@ -186,7 +186,7 @@
         <a:latin typeface="+mj-lt"/>
         <a:ea typeface="+mj-ea"/>
         <a:cs typeface="+mj-cs"/>
-        <a:sym typeface="Helvetica"/>
+        <a:sym typeface="Arial"/>
       </a:defRPr>
     </a:lvl5pPr>
     <a:lvl6pPr marL="0" marR="0" indent="0" algn="l" defTabSz="914400" rtl="0" fontAlgn="auto" latinLnBrk="0" hangingPunct="0">
@@ -216,7 +216,7 @@
         <a:latin typeface="+mj-lt"/>
         <a:ea typeface="+mj-ea"/>
         <a:cs typeface="+mj-cs"/>
-        <a:sym typeface="Helvetica"/>
+        <a:sym typeface="Arial"/>
       </a:defRPr>
     </a:lvl6pPr>
     <a:lvl7pPr marL="0" marR="0" indent="0" algn="l" defTabSz="914400" rtl="0" fontAlgn="auto" latinLnBrk="0" hangingPunct="0">
@@ -246,7 +246,7 @@
         <a:latin typeface="+mj-lt"/>
         <a:ea typeface="+mj-ea"/>
         <a:cs typeface="+mj-cs"/>
-        <a:sym typeface="Helvetica"/>
+        <a:sym typeface="Arial"/>
       </a:defRPr>
     </a:lvl7pPr>
     <a:lvl8pPr marL="0" marR="0" indent="0" algn="l" defTabSz="914400" rtl="0" fontAlgn="auto" latinLnBrk="0" hangingPunct="0">
@@ -276,7 +276,7 @@
         <a:latin typeface="+mj-lt"/>
         <a:ea typeface="+mj-ea"/>
         <a:cs typeface="+mj-cs"/>
-        <a:sym typeface="Helvetica"/>
+        <a:sym typeface="Arial"/>
       </a:defRPr>
     </a:lvl8pPr>
     <a:lvl9pPr marL="0" marR="0" indent="0" algn="l" defTabSz="914400" rtl="0" fontAlgn="auto" latinLnBrk="0" hangingPunct="0">
@@ -306,7 +306,7 @@
         <a:latin typeface="+mj-lt"/>
         <a:ea typeface="+mj-ea"/>
         <a:cs typeface="+mj-cs"/>
-        <a:sym typeface="Helvetica"/>
+        <a:sym typeface="Arial"/>
       </a:defRPr>
     </a:lvl9pPr>
   </p:defaultTextStyle>
@@ -336,7 +336,7 @@
       </p:grpSpPr>
       <p:sp>
         <p:nvSpPr>
-          <p:cNvPr id="95" name="Shape 95"/>
+          <p:cNvPr id="101" name="Shape 101"/>
           <p:cNvSpPr/>
           <p:nvPr>
             <p:ph type="sldImg"/>
@@ -361,7 +361,7 @@
       </p:sp>
       <p:sp>
         <p:nvSpPr>
-          <p:cNvPr id="96" name="Shape 96"/>
+          <p:cNvPr id="102" name="Shape 102"/>
           <p:cNvSpPr/>
           <p:nvPr>
             <p:ph type="body" sz="quarter" idx="1"/>
@@ -393,9 +393,9 @@
         <a:spcPts val="400"/>
       </a:spcBef>
       <a:defRPr sz="1200">
-        <a:latin typeface="+mn-lt"/>
-        <a:ea typeface="+mn-ea"/>
-        <a:cs typeface="+mn-cs"/>
+        <a:latin typeface="+mj-lt"/>
+        <a:ea typeface="+mj-ea"/>
+        <a:cs typeface="+mj-cs"/>
         <a:sym typeface="Arial"/>
       </a:defRPr>
     </a:lvl1pPr>
@@ -404,9 +404,9 @@
         <a:spcPts val="400"/>
       </a:spcBef>
       <a:defRPr sz="1200">
-        <a:latin typeface="+mn-lt"/>
-        <a:ea typeface="+mn-ea"/>
-        <a:cs typeface="+mn-cs"/>
+        <a:latin typeface="+mj-lt"/>
+        <a:ea typeface="+mj-ea"/>
+        <a:cs typeface="+mj-cs"/>
         <a:sym typeface="Arial"/>
       </a:defRPr>
     </a:lvl2pPr>
@@ -415,9 +415,9 @@
         <a:spcPts val="400"/>
       </a:spcBef>
       <a:defRPr sz="1200">
-        <a:latin typeface="+mn-lt"/>
-        <a:ea typeface="+mn-ea"/>
-        <a:cs typeface="+mn-cs"/>
+        <a:latin typeface="+mj-lt"/>
+        <a:ea typeface="+mj-ea"/>
+        <a:cs typeface="+mj-cs"/>
         <a:sym typeface="Arial"/>
       </a:defRPr>
     </a:lvl3pPr>
@@ -426,9 +426,9 @@
         <a:spcPts val="400"/>
       </a:spcBef>
       <a:defRPr sz="1200">
-        <a:latin typeface="+mn-lt"/>
-        <a:ea typeface="+mn-ea"/>
-        <a:cs typeface="+mn-cs"/>
+        <a:latin typeface="+mj-lt"/>
+        <a:ea typeface="+mj-ea"/>
+        <a:cs typeface="+mj-cs"/>
         <a:sym typeface="Arial"/>
       </a:defRPr>
     </a:lvl4pPr>
@@ -437,9 +437,9 @@
         <a:spcPts val="400"/>
       </a:spcBef>
       <a:defRPr sz="1200">
-        <a:latin typeface="+mn-lt"/>
-        <a:ea typeface="+mn-ea"/>
-        <a:cs typeface="+mn-cs"/>
+        <a:latin typeface="+mj-lt"/>
+        <a:ea typeface="+mj-ea"/>
+        <a:cs typeface="+mj-cs"/>
         <a:sym typeface="Arial"/>
       </a:defRPr>
     </a:lvl5pPr>
@@ -448,9 +448,9 @@
         <a:spcPts val="400"/>
       </a:spcBef>
       <a:defRPr sz="1200">
-        <a:latin typeface="+mn-lt"/>
-        <a:ea typeface="+mn-ea"/>
-        <a:cs typeface="+mn-cs"/>
+        <a:latin typeface="+mj-lt"/>
+        <a:ea typeface="+mj-ea"/>
+        <a:cs typeface="+mj-cs"/>
         <a:sym typeface="Arial"/>
       </a:defRPr>
     </a:lvl6pPr>
@@ -459,9 +459,9 @@
         <a:spcPts val="400"/>
       </a:spcBef>
       <a:defRPr sz="1200">
-        <a:latin typeface="+mn-lt"/>
-        <a:ea typeface="+mn-ea"/>
-        <a:cs typeface="+mn-cs"/>
+        <a:latin typeface="+mj-lt"/>
+        <a:ea typeface="+mj-ea"/>
+        <a:cs typeface="+mj-cs"/>
         <a:sym typeface="Arial"/>
       </a:defRPr>
     </a:lvl7pPr>
@@ -470,9 +470,9 @@
         <a:spcPts val="400"/>
       </a:spcBef>
       <a:defRPr sz="1200">
-        <a:latin typeface="+mn-lt"/>
-        <a:ea typeface="+mn-ea"/>
-        <a:cs typeface="+mn-cs"/>
+        <a:latin typeface="+mj-lt"/>
+        <a:ea typeface="+mj-ea"/>
+        <a:cs typeface="+mj-cs"/>
         <a:sym typeface="Arial"/>
       </a:defRPr>
     </a:lvl8pPr>
@@ -481,9 +481,9 @@
         <a:spcPts val="400"/>
       </a:spcBef>
       <a:defRPr sz="1200">
-        <a:latin typeface="+mn-lt"/>
-        <a:ea typeface="+mn-ea"/>
-        <a:cs typeface="+mn-cs"/>
+        <a:latin typeface="+mj-lt"/>
+        <a:ea typeface="+mj-ea"/>
+        <a:cs typeface="+mj-cs"/>
         <a:sym typeface="Arial"/>
       </a:defRPr>
     </a:lvl9pPr>
@@ -510,7 +510,7 @@
       </p:grpSpPr>
       <p:sp>
         <p:nvSpPr>
-          <p:cNvPr id="19" name="Picture Placeholder 7"/>
+          <p:cNvPr id="20" name="Picture Placeholder 7"/>
           <p:cNvSpPr/>
           <p:nvPr>
             <p:ph type="pic" sz="half" idx="21"/>
@@ -537,7 +537,7 @@
       </p:sp>
       <p:sp>
         <p:nvSpPr>
-          <p:cNvPr id="20" name="Title Text"/>
+          <p:cNvPr id="21" name="Title Text"/>
           <p:cNvSpPr txBox="1"/>
           <p:nvPr>
             <p:ph type="title"/>
@@ -545,17 +545,15 @@
         </p:nvSpPr>
         <p:spPr>
           <a:xfrm>
-            <a:off x="264960" y="679009"/>
-            <a:ext cx="7385767" cy="5499982"/>
+            <a:off x="264959" y="679008"/>
+            <a:ext cx="7385769" cy="5499984"/>
           </a:xfrm>
           <a:prstGeom prst="rect">
             <a:avLst/>
           </a:prstGeom>
         </p:spPr>
         <p:txBody>
-          <a:bodyPr>
-            <a:noAutofit/>
-          </a:bodyPr>
+          <a:bodyPr/>
           <a:lstStyle/>
           <a:p>
             <a:pPr/>
@@ -567,13 +565,97 @@
       </p:sp>
       <p:sp>
         <p:nvSpPr>
-          <p:cNvPr id="21" name="Slide Number"/>
+          <p:cNvPr id="22" name="Slide Number"/>
           <p:cNvSpPr txBox="1"/>
           <p:nvPr>
             <p:ph type="sldNum" sz="quarter" idx="2"/>
           </p:nvPr>
         </p:nvSpPr>
         <p:spPr>
+          <a:prstGeom prst="rect">
+            <a:avLst/>
+          </a:prstGeom>
+        </p:spPr>
+        <p:txBody>
+          <a:bodyPr/>
+          <a:lstStyle/>
+          <a:p>
+            <a:pPr/>
+            <a:fld id="{86CB4B4D-7CA3-9044-876B-883B54F8677D}" type="slidenum"/>
+          </a:p>
+        </p:txBody>
+      </p:sp>
+    </p:spTree>
+  </p:cSld>
+  <p:clrMapOvr>
+    <a:masterClrMapping/>
+  </p:clrMapOvr>
+  <p:transition xmlns:p14="http://schemas.microsoft.com/office/powerpoint/2010/main" spd="med" advClick="1"/>
+</p:sldLayout>
+</file>
+
+<file path=ppt/slideLayouts/slideLayout10.xml><?xml version="1.0" encoding="utf-8"?>
+<p:sldLayout xmlns:a="http://schemas.openxmlformats.org/drawingml/2006/main" xmlns:r="http://schemas.openxmlformats.org/officeDocument/2006/relationships" xmlns:p="http://schemas.openxmlformats.org/presentationml/2006/main" xmlns:m="http://schemas.openxmlformats.org/officeDocument/2006/math" xmlns:a14="http://schemas.microsoft.com/office/drawing/2010/main" type="tx" showMasterSp="1" showMasterPhAnim="1">
+  <p:cSld name="hymn_lyrics">
+    <p:spTree>
+      <p:nvGrpSpPr>
+        <p:cNvPr id="1" name=""/>
+        <p:cNvGrpSpPr/>
+        <p:nvPr/>
+      </p:nvGrpSpPr>
+      <p:grpSpPr>
+        <a:xfrm>
+          <a:off x="0" y="0"/>
+          <a:ext cx="0" cy="0"/>
+          <a:chOff x="0" y="0"/>
+          <a:chExt cx="0" cy="0"/>
+        </a:xfrm>
+      </p:grpSpPr>
+      <p:sp>
+        <p:nvSpPr>
+          <p:cNvPr id="94" name="Body Level One…"/>
+          <p:cNvSpPr txBox="1"/>
+          <p:nvPr>
+            <p:ph type="body" idx="21" hasCustomPrompt="1"/>
+          </p:nvPr>
+        </p:nvSpPr>
+        <p:spPr>
+          <a:xfrm>
+            <a:off x="406400" y="589901"/>
+            <a:ext cx="11379200" cy="5678198"/>
+          </a:xfrm>
+          <a:prstGeom prst="rect">
+            <a:avLst/>
+          </a:prstGeom>
+        </p:spPr>
+        <p:txBody>
+          <a:bodyPr/>
+          <a:lstStyle>
+            <a:lvl1pPr algn="ctr">
+              <a:defRPr sz="7200"/>
+            </a:lvl1pPr>
+          </a:lstStyle>
+          <a:p>
+            <a:pPr/>
+            <a:r>
+              <a:t>惟獨仰賴活聖靈</a:t>
+            </a:r>
+          </a:p>
+        </p:txBody>
+      </p:sp>
+      <p:sp>
+        <p:nvSpPr>
+          <p:cNvPr id="95" name="Slide Number"/>
+          <p:cNvSpPr txBox="1"/>
+          <p:nvPr>
+            <p:ph type="sldNum" sz="quarter" idx="2"/>
+          </p:nvPr>
+        </p:nvSpPr>
+        <p:spPr>
+          <a:xfrm>
+            <a:off x="5892800" y="6172200"/>
+            <a:ext cx="2844800" cy="368301"/>
+          </a:xfrm>
           <a:prstGeom prst="rect">
             <a:avLst/>
           </a:prstGeom>
@@ -615,16 +697,16 @@
       </p:grpSpPr>
       <p:sp>
         <p:nvSpPr>
-          <p:cNvPr id="28" name="Body Level One…"/>
+          <p:cNvPr id="29" name="Body Level One…"/>
           <p:cNvSpPr txBox="1"/>
           <p:nvPr>
-            <p:ph type="body" idx="1" hasCustomPrompt="1"/>
+            <p:ph type="body" idx="21" hasCustomPrompt="1"/>
           </p:nvPr>
         </p:nvSpPr>
         <p:spPr>
           <a:xfrm>
-            <a:off x="762000" y="1066800"/>
-            <a:ext cx="10414000" cy="4267200"/>
+            <a:off x="406400" y="1843762"/>
+            <a:ext cx="11379201" cy="3170476"/>
           </a:xfrm>
           <a:prstGeom prst="rect">
             <a:avLst/>
@@ -633,72 +715,30 @@
         <p:txBody>
           <a:bodyPr/>
           <a:lstStyle>
-            <a:lvl1pPr algn="l">
+            <a:lvl1pPr marL="339470" indent="-339470" defTabSz="905255">
               <a:spcBef>
-                <a:spcPts val="500"/>
+                <a:spcPts val="400"/>
               </a:spcBef>
-              <a:defRPr sz="4800"/>
+              <a:defRPr sz="6336">
+                <a:effectLst>
+                  <a:outerShdw sx="100000" sy="100000" kx="0" ky="0" algn="b" rotWithShape="0" blurRad="37719" dist="37719" dir="2700000">
+                    <a:srgbClr val="0B0F14"/>
+                  </a:outerShdw>
+                </a:effectLst>
+              </a:defRPr>
             </a:lvl1pPr>
-            <a:lvl2pPr marL="947057" indent="-489857" algn="l">
-              <a:spcBef>
-                <a:spcPts val="500"/>
-              </a:spcBef>
-              <a:defRPr sz="4800"/>
-            </a:lvl2pPr>
-            <a:lvl3pPr marL="1371600" indent="-457200" algn="l">
-              <a:spcBef>
-                <a:spcPts val="500"/>
-              </a:spcBef>
-              <a:defRPr sz="4800"/>
-            </a:lvl3pPr>
-            <a:lvl4pPr marL="1920238" indent="-548638" algn="l">
-              <a:spcBef>
-                <a:spcPts val="500"/>
-              </a:spcBef>
-              <a:defRPr sz="4800"/>
-            </a:lvl4pPr>
-            <a:lvl5pPr marL="2377438" indent="-548638" algn="l">
-              <a:spcBef>
-                <a:spcPts val="500"/>
-              </a:spcBef>
-              <a:defRPr sz="4800"/>
-            </a:lvl5pPr>
           </a:lstStyle>
           <a:p>
             <a:pPr/>
             <a:r>
-              <a:t>  惟耶和華在他的聖殿中;</a:t>
-            </a:r>
-          </a:p>
-          <a:p>
-            <a:pPr lvl="1"/>
-            <a:r>
-              <a:t/>
-            </a:r>
-          </a:p>
-          <a:p>
-            <a:pPr lvl="2"/>
-            <a:r>
-              <a:t/>
-            </a:r>
-          </a:p>
-          <a:p>
-            <a:pPr lvl="3"/>
-            <a:r>
-              <a:t/>
-            </a:r>
-          </a:p>
-          <a:p>
-            <a:pPr lvl="4"/>
-            <a:r>
-              <a:t/>
+              <a:t>惟耶和華在他的聖殿中；全地的人，都當在他面前肅敬靜默。</a:t>
             </a:r>
           </a:p>
         </p:txBody>
       </p:sp>
       <p:sp>
         <p:nvSpPr>
-          <p:cNvPr id="29" name="Slide Number"/>
+          <p:cNvPr id="30" name="Slide Number"/>
           <p:cNvSpPr txBox="1"/>
           <p:nvPr>
             <p:ph type="sldNum" sz="quarter" idx="2"/>
@@ -729,7 +769,7 @@
 
 <file path=ppt/slideLayouts/slideLayout3.xml><?xml version="1.0" encoding="utf-8"?>
 <p:sldLayout xmlns:a="http://schemas.openxmlformats.org/drawingml/2006/main" xmlns:r="http://schemas.openxmlformats.org/officeDocument/2006/relationships" xmlns:p="http://schemas.openxmlformats.org/presentationml/2006/main" xmlns:m="http://schemas.openxmlformats.org/officeDocument/2006/math" xmlns:a14="http://schemas.microsoft.com/office/drawing/2010/main" type="tx" showMasterSp="1" showMasterPhAnim="1">
-  <p:cSld name="hymn">
+  <p:cSld name="verse">
     <p:spTree>
       <p:nvGrpSpPr>
         <p:cNvPr id="1" name=""/>
@@ -746,7 +786,7 @@
       </p:grpSpPr>
       <p:sp>
         <p:nvSpPr>
-          <p:cNvPr id="36" name="#23 讚美詩"/>
+          <p:cNvPr id="37" name="約翰福音 3:16"/>
           <p:cNvSpPr txBox="1"/>
           <p:nvPr>
             <p:ph type="title" hasCustomPrompt="1"/>
@@ -763,17 +803,17 @@
           <a:p>
             <a:pPr/>
             <a:r>
-              <a:t>#23 讚美詩</a:t>
+              <a:t>約翰福音 3:16</a:t>
             </a:r>
           </a:p>
         </p:txBody>
       </p:sp>
       <p:sp>
         <p:nvSpPr>
-          <p:cNvPr id="37" name="Body Level One…"/>
+          <p:cNvPr id="38" name="Body Level One…"/>
           <p:cNvSpPr txBox="1"/>
           <p:nvPr>
-            <p:ph type="body" idx="1" hasCustomPrompt="1"/>
+            <p:ph type="body" idx="21" hasCustomPrompt="1"/>
           </p:nvPr>
         </p:nvSpPr>
         <p:spPr>
@@ -787,38 +827,14 @@
           <a:p>
             <a:pPr/>
             <a:r>
-              <a:t>讚美真神萬福之根</a:t>
-            </a:r>
-          </a:p>
-          <a:p>
-            <a:pPr lvl="1"/>
-            <a:r>
-              <a:t/>
-            </a:r>
-          </a:p>
-          <a:p>
-            <a:pPr lvl="2"/>
-            <a:r>
-              <a:t/>
-            </a:r>
-          </a:p>
-          <a:p>
-            <a:pPr lvl="3"/>
-            <a:r>
-              <a:t/>
-            </a:r>
-          </a:p>
-          <a:p>
-            <a:pPr lvl="4"/>
-            <a:r>
-              <a:t/>
+              <a:t>神愛世人，甚至將他的獨生子賜給他們，叫一切信他的不至滅亡反得永生。</a:t>
             </a:r>
           </a:p>
         </p:txBody>
       </p:sp>
       <p:sp>
         <p:nvSpPr>
-          <p:cNvPr id="38" name="Slide Number"/>
+          <p:cNvPr id="39" name="Slide Number"/>
           <p:cNvSpPr txBox="1"/>
           <p:nvPr>
             <p:ph type="sldNum" sz="quarter" idx="2"/>
@@ -849,7 +865,7 @@
 
 <file path=ppt/slideLayouts/slideLayout4.xml><?xml version="1.0" encoding="utf-8"?>
 <p:sldLayout xmlns:a="http://schemas.openxmlformats.org/drawingml/2006/main" xmlns:r="http://schemas.openxmlformats.org/officeDocument/2006/relationships" xmlns:p="http://schemas.openxmlformats.org/presentationml/2006/main" xmlns:m="http://schemas.openxmlformats.org/officeDocument/2006/math" xmlns:a14="http://schemas.microsoft.com/office/drawing/2010/main" type="tx" showMasterSp="1" showMasterPhAnim="1">
-  <p:cSld name="verse">
+  <p:cSld name="memorize">
     <p:spTree>
       <p:nvGrpSpPr>
         <p:cNvPr id="1" name=""/>
@@ -866,10 +882,43 @@
       </p:grpSpPr>
       <p:sp>
         <p:nvSpPr>
-          <p:cNvPr id="45" name="約翰福音 3:16"/>
+          <p:cNvPr id="46" name="本週金句"/>
           <p:cNvSpPr txBox="1"/>
           <p:nvPr>
             <p:ph type="title" hasCustomPrompt="1"/>
+          </p:nvPr>
+        </p:nvSpPr>
+        <p:spPr>
+          <a:prstGeom prst="rect">
+            <a:avLst/>
+          </a:prstGeom>
+        </p:spPr>
+        <p:txBody>
+          <a:bodyPr/>
+          <a:lstStyle>
+            <a:lvl1pPr>
+              <a:defRPr b="1" sz="6000">
+                <a:latin typeface="Helvetica Neue"/>
+                <a:ea typeface="Helvetica Neue"/>
+                <a:cs typeface="Helvetica Neue"/>
+                <a:sym typeface="Helvetica Neue"/>
+              </a:defRPr>
+            </a:lvl1pPr>
+          </a:lstStyle>
+          <a:p>
+            <a:pPr/>
+            <a:r>
+              <a:t>本週金句</a:t>
+            </a:r>
+          </a:p>
+        </p:txBody>
+      </p:sp>
+      <p:sp>
+        <p:nvSpPr>
+          <p:cNvPr id="47" name="Body Level One…"/>
+          <p:cNvSpPr txBox="1"/>
+          <p:nvPr>
+            <p:ph type="body" idx="21" hasCustomPrompt="1"/>
           </p:nvPr>
         </p:nvSpPr>
         <p:spPr>
@@ -883,118 +932,14 @@
           <a:p>
             <a:pPr/>
             <a:r>
-              <a:t>約翰福音 3:16</a:t>
+              <a:t>       神愛世人，甚至將他的獨生子賜給他們，叫一切信他的不至滅亡反得永生。</a:t>
             </a:r>
           </a:p>
         </p:txBody>
       </p:sp>
       <p:sp>
         <p:nvSpPr>
-          <p:cNvPr id="46" name="Body Level One…"/>
-          <p:cNvSpPr txBox="1"/>
-          <p:nvPr>
-            <p:ph type="body" idx="1" hasCustomPrompt="1"/>
-          </p:nvPr>
-        </p:nvSpPr>
-        <p:spPr>
-          <a:prstGeom prst="rect">
-            <a:avLst/>
-          </a:prstGeom>
-        </p:spPr>
-        <p:txBody>
-          <a:bodyPr/>
-          <a:lstStyle>
-            <a:lvl1pPr algn="l">
-              <a:spcBef>
-                <a:spcPts val="500"/>
-              </a:spcBef>
-              <a:defRPr sz="4800">
-                <a:latin typeface="Helvetica Neue"/>
-                <a:ea typeface="Helvetica Neue"/>
-                <a:cs typeface="Helvetica Neue"/>
-                <a:sym typeface="Helvetica Neue"/>
-              </a:defRPr>
-            </a:lvl1pPr>
-            <a:lvl2pPr marL="947057" indent="-489857" algn="l">
-              <a:spcBef>
-                <a:spcPts val="500"/>
-              </a:spcBef>
-              <a:defRPr sz="4800">
-                <a:latin typeface="Helvetica Neue"/>
-                <a:ea typeface="Helvetica Neue"/>
-                <a:cs typeface="Helvetica Neue"/>
-                <a:sym typeface="Helvetica Neue"/>
-              </a:defRPr>
-            </a:lvl2pPr>
-            <a:lvl3pPr marL="1371600" indent="-457200" algn="l">
-              <a:spcBef>
-                <a:spcPts val="500"/>
-              </a:spcBef>
-              <a:defRPr sz="4800">
-                <a:latin typeface="Helvetica Neue"/>
-                <a:ea typeface="Helvetica Neue"/>
-                <a:cs typeface="Helvetica Neue"/>
-                <a:sym typeface="Helvetica Neue"/>
-              </a:defRPr>
-            </a:lvl3pPr>
-            <a:lvl4pPr marL="1920238" indent="-548638" algn="l">
-              <a:spcBef>
-                <a:spcPts val="500"/>
-              </a:spcBef>
-              <a:defRPr sz="4800">
-                <a:latin typeface="Helvetica Neue"/>
-                <a:ea typeface="Helvetica Neue"/>
-                <a:cs typeface="Helvetica Neue"/>
-                <a:sym typeface="Helvetica Neue"/>
-              </a:defRPr>
-            </a:lvl4pPr>
-            <a:lvl5pPr marL="2377438" indent="-548638" algn="l">
-              <a:spcBef>
-                <a:spcPts val="500"/>
-              </a:spcBef>
-              <a:defRPr sz="4800">
-                <a:latin typeface="Helvetica Neue"/>
-                <a:ea typeface="Helvetica Neue"/>
-                <a:cs typeface="Helvetica Neue"/>
-                <a:sym typeface="Helvetica Neue"/>
-              </a:defRPr>
-            </a:lvl5pPr>
-          </a:lstStyle>
-          <a:p>
-            <a:pPr/>
-            <a:r>
-              <a:t>16 神愛世人，甚至將他的獨生子賜給他們，叫一切信他的不至滅亡反得永生。</a:t>
-            </a:r>
-          </a:p>
-          <a:p>
-            <a:pPr lvl="1"/>
-            <a:r>
-              <a:t/>
-            </a:r>
-          </a:p>
-          <a:p>
-            <a:pPr lvl="2"/>
-            <a:r>
-              <a:t/>
-            </a:r>
-          </a:p>
-          <a:p>
-            <a:pPr lvl="3"/>
-            <a:r>
-              <a:t/>
-            </a:r>
-          </a:p>
-          <a:p>
-            <a:pPr lvl="4"/>
-            <a:r>
-              <a:t/>
-            </a:r>
-          </a:p>
-        </p:txBody>
-      </p:sp>
-      <p:sp>
-        <p:nvSpPr>
-          <p:cNvPr id="47" name="Slide Number"/>
+          <p:cNvPr id="48" name="Slide Number"/>
           <p:cNvSpPr txBox="1"/>
           <p:nvPr>
             <p:ph type="sldNum" sz="quarter" idx="2"/>
@@ -1025,7 +970,7 @@
 
 <file path=ppt/slideLayouts/slideLayout5.xml><?xml version="1.0" encoding="utf-8"?>
 <p:sldLayout xmlns:a="http://schemas.openxmlformats.org/drawingml/2006/main" xmlns:r="http://schemas.openxmlformats.org/officeDocument/2006/relationships" xmlns:p="http://schemas.openxmlformats.org/presentationml/2006/main" xmlns:m="http://schemas.openxmlformats.org/officeDocument/2006/math" xmlns:a14="http://schemas.microsoft.com/office/drawing/2010/main" type="tx" showMasterSp="1" showMasterPhAnim="1">
-  <p:cSld name="memorize">
+  <p:cSld name="teaching">
     <p:spTree>
       <p:nvGrpSpPr>
         <p:cNvPr id="1" name=""/>
@@ -1042,7 +987,7 @@
       </p:grpSpPr>
       <p:sp>
         <p:nvSpPr>
-          <p:cNvPr id="54" name="本週金句"/>
+          <p:cNvPr id="55" name="信息"/>
           <p:cNvSpPr txBox="1"/>
           <p:nvPr>
             <p:ph type="title" hasCustomPrompt="1"/>
@@ -1057,7 +1002,7 @@
           <a:bodyPr/>
           <a:lstStyle>
             <a:lvl1pPr>
-              <a:defRPr sz="6000">
+              <a:defRPr b="1" sz="6000">
                 <a:latin typeface="Helvetica Neue"/>
                 <a:ea typeface="Helvetica Neue"/>
                 <a:cs typeface="Helvetica Neue"/>
@@ -1068,63 +1013,7 @@
           <a:p>
             <a:pPr/>
             <a:r>
-              <a:t>本週金句</a:t>
-            </a:r>
-          </a:p>
-        </p:txBody>
-      </p:sp>
-      <p:sp>
-        <p:nvSpPr>
-          <p:cNvPr id="55" name="Title"/>
-          <p:cNvSpPr/>
-          <p:nvPr>
-            <p:ph type="body" sz="quarter" idx="12"/>
-          </p:nvPr>
-        </p:nvSpPr>
-        <p:spPr>
-          <a:xfrm>
-            <a:off x="609599" y="-207963"/>
-            <a:ext cx="10972802" cy="381002"/>
-          </a:xfrm>
-          <a:prstGeom prst="roundRect">
-            <a:avLst>
-              <a:gd name="adj" fmla="val 0"/>
-            </a:avLst>
-          </a:prstGeom>
-          <a:solidFill>
-            <a:srgbClr val="0B0F14">
-              <a:alpha val="0"/>
-            </a:srgbClr>
-          </a:solidFill>
-        </p:spPr>
-        <p:txBody>
-          <a:bodyPr lIns="50800" tIns="50800" rIns="50800" bIns="50800">
-            <a:noAutofit/>
-          </a:bodyPr>
-          <a:lstStyle>
-            <a:lvl1pPr marL="0" indent="0" algn="l">
-              <a:spcBef>
-                <a:spcPts val="0"/>
-              </a:spcBef>
-              <a:defRPr sz="1800">
-                <a:solidFill>
-                  <a:srgbClr val="0B0F14"/>
-                </a:solidFill>
-                <a:latin typeface="+mj-lt"/>
-                <a:ea typeface="+mj-ea"/>
-                <a:cs typeface="+mj-cs"/>
-                <a:sym typeface="Helvetica"/>
-              </a:defRPr>
-            </a:lvl1pPr>
-          </a:lstStyle>
-          <a:p>
-            <a:pPr>
-              <a:defRPr>
-                <a:effectLst/>
-              </a:defRPr>
-            </a:pPr>
-            <a:r>
-              <a:t>Title</a:t>
+              <a:t>信息</a:t>
             </a:r>
           </a:p>
         </p:txBody>
@@ -1134,7 +1023,7 @@
           <p:cNvPr id="56" name="Body Level One…"/>
           <p:cNvSpPr txBox="1"/>
           <p:nvPr>
-            <p:ph type="body" idx="1" hasCustomPrompt="1"/>
+            <p:ph type="body" idx="21" hasCustomPrompt="1"/>
           </p:nvPr>
         </p:nvSpPr>
         <p:spPr>
@@ -1145,90 +1034,12 @@
         <p:txBody>
           <a:bodyPr/>
           <a:lstStyle>
-            <a:lvl1pPr algn="l">
-              <a:spcBef>
-                <a:spcPts val="500"/>
-              </a:spcBef>
-              <a:defRPr sz="4800">
-                <a:latin typeface="Helvetica Neue"/>
-                <a:ea typeface="Helvetica Neue"/>
-                <a:cs typeface="Helvetica Neue"/>
-                <a:sym typeface="Helvetica Neue"/>
-              </a:defRPr>
-            </a:lvl1pPr>
-            <a:lvl2pPr marL="947057" indent="-489857" algn="l">
-              <a:spcBef>
-                <a:spcPts val="500"/>
-              </a:spcBef>
-              <a:defRPr sz="4800">
-                <a:latin typeface="Helvetica Neue"/>
-                <a:ea typeface="Helvetica Neue"/>
-                <a:cs typeface="Helvetica Neue"/>
-                <a:sym typeface="Helvetica Neue"/>
-              </a:defRPr>
-            </a:lvl2pPr>
-            <a:lvl3pPr marL="1371600" indent="-457200" algn="l">
-              <a:spcBef>
-                <a:spcPts val="500"/>
-              </a:spcBef>
-              <a:defRPr sz="4800">
-                <a:latin typeface="Helvetica Neue"/>
-                <a:ea typeface="Helvetica Neue"/>
-                <a:cs typeface="Helvetica Neue"/>
-                <a:sym typeface="Helvetica Neue"/>
-              </a:defRPr>
-            </a:lvl3pPr>
-            <a:lvl4pPr marL="1920238" indent="-548638" algn="l">
-              <a:spcBef>
-                <a:spcPts val="500"/>
-              </a:spcBef>
-              <a:defRPr sz="4800">
-                <a:latin typeface="Helvetica Neue"/>
-                <a:ea typeface="Helvetica Neue"/>
-                <a:cs typeface="Helvetica Neue"/>
-                <a:sym typeface="Helvetica Neue"/>
-              </a:defRPr>
-            </a:lvl4pPr>
-            <a:lvl5pPr marL="2377438" indent="-548638" algn="l">
-              <a:spcBef>
-                <a:spcPts val="500"/>
-              </a:spcBef>
-              <a:defRPr sz="4800">
-                <a:latin typeface="Helvetica Neue"/>
-                <a:ea typeface="Helvetica Neue"/>
-                <a:cs typeface="Helvetica Neue"/>
-                <a:sym typeface="Helvetica Neue"/>
-              </a:defRPr>
-            </a:lvl5pPr>
+            <a:lvl1pPr algn="ctr"/>
           </a:lstStyle>
           <a:p>
             <a:pPr/>
             <a:r>
-              <a:t>       神愛世人，甚至將他的獨生子賜給他們，叫一切信他的不至滅亡反得永生。</a:t>
-            </a:r>
-          </a:p>
-          <a:p>
-            <a:pPr lvl="1"/>
-            <a:r>
-              <a:t/>
-            </a:r>
-          </a:p>
-          <a:p>
-            <a:pPr lvl="2"/>
-            <a:r>
-              <a:t/>
-            </a:r>
-          </a:p>
-          <a:p>
-            <a:pPr lvl="3"/>
-            <a:r>
-              <a:t/>
-            </a:r>
-          </a:p>
-          <a:p>
-            <a:pPr lvl="4"/>
-            <a:r>
-              <a:t/>
+              <a:t>神愛世人</a:t>
             </a:r>
           </a:p>
         </p:txBody>
@@ -1266,7 +1077,7 @@
 
 <file path=ppt/slideLayouts/slideLayout6.xml><?xml version="1.0" encoding="utf-8"?>
 <p:sldLayout xmlns:a="http://schemas.openxmlformats.org/drawingml/2006/main" xmlns:r="http://schemas.openxmlformats.org/officeDocument/2006/relationships" xmlns:p="http://schemas.openxmlformats.org/presentationml/2006/main" xmlns:m="http://schemas.openxmlformats.org/officeDocument/2006/math" xmlns:a14="http://schemas.microsoft.com/office/drawing/2010/main" type="tx" showMasterSp="1" showMasterPhAnim="1">
-  <p:cSld name="teaching">
+  <p:cSld name="section">
     <p:spTree>
       <p:nvGrpSpPr>
         <p:cNvPr id="1" name=""/>
@@ -1283,13 +1094,17 @@
       </p:grpSpPr>
       <p:sp>
         <p:nvSpPr>
-          <p:cNvPr id="64" name="信息"/>
+          <p:cNvPr id="64" name="頌讚"/>
           <p:cNvSpPr txBox="1"/>
           <p:nvPr>
             <p:ph type="title" hasCustomPrompt="1"/>
           </p:nvPr>
         </p:nvSpPr>
         <p:spPr>
+          <a:xfrm>
+            <a:off x="1219199" y="2670967"/>
+            <a:ext cx="9753601" cy="1516065"/>
+          </a:xfrm>
           <a:prstGeom prst="rect">
             <a:avLst/>
           </a:prstGeom>
@@ -1298,7 +1113,7 @@
           <a:bodyPr/>
           <a:lstStyle>
             <a:lvl1pPr>
-              <a:defRPr sz="6000">
+              <a:defRPr b="1">
                 <a:latin typeface="Helvetica Neue"/>
                 <a:ea typeface="Helvetica Neue"/>
                 <a:cs typeface="Helvetica Neue"/>
@@ -1309,184 +1124,20 @@
           <a:p>
             <a:pPr/>
             <a:r>
-              <a:t>信息</a:t>
+              <a:t>頌讚</a:t>
             </a:r>
           </a:p>
         </p:txBody>
       </p:sp>
       <p:sp>
         <p:nvSpPr>
-          <p:cNvPr id="65" name="Title"/>
-          <p:cNvSpPr/>
-          <p:nvPr>
-            <p:ph type="body" sz="quarter" idx="12"/>
-          </p:nvPr>
-        </p:nvSpPr>
-        <p:spPr>
-          <a:xfrm>
-            <a:off x="609599" y="-207963"/>
-            <a:ext cx="10972802" cy="381002"/>
-          </a:xfrm>
-          <a:prstGeom prst="roundRect">
-            <a:avLst>
-              <a:gd name="adj" fmla="val 0"/>
-            </a:avLst>
-          </a:prstGeom>
-          <a:solidFill>
-            <a:srgbClr val="0B0F14">
-              <a:alpha val="0"/>
-            </a:srgbClr>
-          </a:solidFill>
-        </p:spPr>
-        <p:txBody>
-          <a:bodyPr lIns="50800" tIns="50800" rIns="50800" bIns="50800">
-            <a:noAutofit/>
-          </a:bodyPr>
-          <a:lstStyle>
-            <a:lvl1pPr marL="0" indent="0" algn="l">
-              <a:spcBef>
-                <a:spcPts val="0"/>
-              </a:spcBef>
-              <a:defRPr sz="1800">
-                <a:solidFill>
-                  <a:srgbClr val="0B0F14"/>
-                </a:solidFill>
-                <a:latin typeface="+mj-lt"/>
-                <a:ea typeface="+mj-ea"/>
-                <a:cs typeface="+mj-cs"/>
-                <a:sym typeface="Helvetica"/>
-              </a:defRPr>
-            </a:lvl1pPr>
-          </a:lstStyle>
-          <a:p>
-            <a:pPr>
-              <a:defRPr>
-                <a:effectLst/>
-              </a:defRPr>
-            </a:pPr>
-            <a:r>
-              <a:t>Title</a:t>
-            </a:r>
-          </a:p>
-        </p:txBody>
-      </p:sp>
-      <p:sp>
-        <p:nvSpPr>
-          <p:cNvPr id="66" name="Body Level One…"/>
-          <p:cNvSpPr txBox="1"/>
-          <p:nvPr>
-            <p:ph type="body" idx="1" hasCustomPrompt="1"/>
-          </p:nvPr>
-        </p:nvSpPr>
-        <p:spPr>
-          <a:prstGeom prst="rect">
-            <a:avLst/>
-          </a:prstGeom>
-        </p:spPr>
-        <p:txBody>
-          <a:bodyPr/>
-          <a:lstStyle>
-            <a:lvl1pPr>
-              <a:spcBef>
-                <a:spcPts val="500"/>
-              </a:spcBef>
-              <a:defRPr sz="4800">
-                <a:latin typeface="Helvetica Neue"/>
-                <a:ea typeface="Helvetica Neue"/>
-                <a:cs typeface="Helvetica Neue"/>
-                <a:sym typeface="Helvetica Neue"/>
-              </a:defRPr>
-            </a:lvl1pPr>
-            <a:lvl2pPr marL="947057" indent="-489857">
-              <a:spcBef>
-                <a:spcPts val="500"/>
-              </a:spcBef>
-              <a:defRPr sz="4800">
-                <a:latin typeface="Helvetica Neue"/>
-                <a:ea typeface="Helvetica Neue"/>
-                <a:cs typeface="Helvetica Neue"/>
-                <a:sym typeface="Helvetica Neue"/>
-              </a:defRPr>
-            </a:lvl2pPr>
-            <a:lvl3pPr marL="1371600" indent="-457200">
-              <a:spcBef>
-                <a:spcPts val="500"/>
-              </a:spcBef>
-              <a:defRPr sz="4800">
-                <a:latin typeface="Helvetica Neue"/>
-                <a:ea typeface="Helvetica Neue"/>
-                <a:cs typeface="Helvetica Neue"/>
-                <a:sym typeface="Helvetica Neue"/>
-              </a:defRPr>
-            </a:lvl3pPr>
-            <a:lvl4pPr marL="1920238" indent="-548638">
-              <a:spcBef>
-                <a:spcPts val="500"/>
-              </a:spcBef>
-              <a:defRPr sz="4800">
-                <a:latin typeface="Helvetica Neue"/>
-                <a:ea typeface="Helvetica Neue"/>
-                <a:cs typeface="Helvetica Neue"/>
-                <a:sym typeface="Helvetica Neue"/>
-              </a:defRPr>
-            </a:lvl4pPr>
-            <a:lvl5pPr marL="2377438" indent="-548638">
-              <a:spcBef>
-                <a:spcPts val="500"/>
-              </a:spcBef>
-              <a:defRPr sz="4800">
-                <a:latin typeface="Helvetica Neue"/>
-                <a:ea typeface="Helvetica Neue"/>
-                <a:cs typeface="Helvetica Neue"/>
-                <a:sym typeface="Helvetica Neue"/>
-              </a:defRPr>
-            </a:lvl5pPr>
-          </a:lstStyle>
-          <a:p>
-            <a:pPr/>
-            <a:r>
-              <a:t>神愛世人</a:t>
-            </a:r>
-          </a:p>
-          <a:p>
-            <a:pPr lvl="1"/>
-            <a:r>
-              <a:t/>
-            </a:r>
-          </a:p>
-          <a:p>
-            <a:pPr lvl="2"/>
-            <a:r>
-              <a:t/>
-            </a:r>
-          </a:p>
-          <a:p>
-            <a:pPr lvl="3"/>
-            <a:r>
-              <a:t/>
-            </a:r>
-          </a:p>
-          <a:p>
-            <a:pPr lvl="4"/>
-            <a:r>
-              <a:t/>
-            </a:r>
-          </a:p>
-        </p:txBody>
-      </p:sp>
-      <p:sp>
-        <p:nvSpPr>
-          <p:cNvPr id="67" name="Slide Number"/>
+          <p:cNvPr id="65" name="Slide Number"/>
           <p:cNvSpPr txBox="1"/>
           <p:nvPr>
             <p:ph type="sldNum" sz="quarter" idx="2"/>
           </p:nvPr>
         </p:nvSpPr>
         <p:spPr>
-          <a:xfrm>
-            <a:off x="8490587" y="6228081"/>
-            <a:ext cx="247014" cy="256539"/>
-          </a:xfrm>
           <a:prstGeom prst="rect">
             <a:avLst/>
           </a:prstGeom>
@@ -1511,7 +1162,7 @@
 
 <file path=ppt/slideLayouts/slideLayout7.xml><?xml version="1.0" encoding="utf-8"?>
 <p:sldLayout xmlns:a="http://schemas.openxmlformats.org/drawingml/2006/main" xmlns:r="http://schemas.openxmlformats.org/officeDocument/2006/relationships" xmlns:p="http://schemas.openxmlformats.org/presentationml/2006/main" xmlns:m="http://schemas.openxmlformats.org/officeDocument/2006/math" xmlns:a14="http://schemas.microsoft.com/office/drawing/2010/main" type="tx" showMasterSp="1" showMasterPhAnim="1">
-  <p:cSld name="section">
+  <p:cSld name="Blank">
     <p:spTree>
       <p:nvGrpSpPr>
         <p:cNvPr id="1" name=""/>
@@ -1528,46 +1179,7 @@
       </p:grpSpPr>
       <p:sp>
         <p:nvSpPr>
-          <p:cNvPr id="74" name="頌讚"/>
-          <p:cNvSpPr txBox="1"/>
-          <p:nvPr>
-            <p:ph type="title" hasCustomPrompt="1"/>
-          </p:nvPr>
-        </p:nvSpPr>
-        <p:spPr>
-          <a:xfrm>
-            <a:off x="1219199" y="2670968"/>
-            <a:ext cx="9753601" cy="1516064"/>
-          </a:xfrm>
-          <a:prstGeom prst="rect">
-            <a:avLst/>
-          </a:prstGeom>
-        </p:spPr>
-        <p:txBody>
-          <a:bodyPr>
-            <a:noAutofit/>
-          </a:bodyPr>
-          <a:lstStyle>
-            <a:lvl1pPr>
-              <a:defRPr>
-                <a:latin typeface="Helvetica Neue"/>
-                <a:ea typeface="Helvetica Neue"/>
-                <a:cs typeface="Helvetica Neue"/>
-                <a:sym typeface="Helvetica Neue"/>
-              </a:defRPr>
-            </a:lvl1pPr>
-          </a:lstStyle>
-          <a:p>
-            <a:pPr/>
-            <a:r>
-              <a:t>頌讚</a:t>
-            </a:r>
-          </a:p>
-        </p:txBody>
-      </p:sp>
-      <p:sp>
-        <p:nvSpPr>
-          <p:cNvPr id="75" name="Slide Number"/>
+          <p:cNvPr id="72" name="Slide Number"/>
           <p:cNvSpPr txBox="1"/>
           <p:nvPr>
             <p:ph type="sldNum" sz="quarter" idx="2"/>
@@ -1598,7 +1210,7 @@
 
 <file path=ppt/slideLayouts/slideLayout8.xml><?xml version="1.0" encoding="utf-8"?>
 <p:sldLayout xmlns:a="http://schemas.openxmlformats.org/drawingml/2006/main" xmlns:r="http://schemas.openxmlformats.org/officeDocument/2006/relationships" xmlns:p="http://schemas.openxmlformats.org/presentationml/2006/main" xmlns:m="http://schemas.openxmlformats.org/officeDocument/2006/math" xmlns:a14="http://schemas.microsoft.com/office/drawing/2010/main" type="tx" showMasterSp="1" showMasterPhAnim="1">
-  <p:cSld name="Blank">
+  <p:cSld name="Default">
     <p:spTree>
       <p:nvGrpSpPr>
         <p:cNvPr id="1" name=""/>
@@ -1615,7 +1227,7 @@
       </p:grpSpPr>
       <p:sp>
         <p:nvSpPr>
-          <p:cNvPr id="82" name="Slide Number"/>
+          <p:cNvPr id="79" name="Slide Number"/>
           <p:cNvSpPr txBox="1"/>
           <p:nvPr>
             <p:ph type="sldNum" sz="quarter" idx="2"/>
@@ -1646,7 +1258,7 @@
 
 <file path=ppt/slideLayouts/slideLayout9.xml><?xml version="1.0" encoding="utf-8"?>
 <p:sldLayout xmlns:a="http://schemas.openxmlformats.org/drawingml/2006/main" xmlns:r="http://schemas.openxmlformats.org/officeDocument/2006/relationships" xmlns:p="http://schemas.openxmlformats.org/presentationml/2006/main" xmlns:m="http://schemas.openxmlformats.org/officeDocument/2006/math" xmlns:a14="http://schemas.microsoft.com/office/drawing/2010/main" type="tx" showMasterSp="1" showMasterPhAnim="1">
-  <p:cSld name="Default">
+  <p:cSld name="hymn_title">
     <p:spTree>
       <p:nvGrpSpPr>
         <p:cNvPr id="1" name=""/>
@@ -1663,13 +1275,45 @@
       </p:grpSpPr>
       <p:sp>
         <p:nvSpPr>
-          <p:cNvPr id="89" name="Slide Number"/>
+          <p:cNvPr id="86" name="#23 讚美詩"/>
+          <p:cNvSpPr txBox="1"/>
+          <p:nvPr>
+            <p:ph type="title" hasCustomPrompt="1"/>
+          </p:nvPr>
+        </p:nvSpPr>
+        <p:spPr>
+          <a:xfrm>
+            <a:off x="1158086" y="2743200"/>
+            <a:ext cx="9875521" cy="1371600"/>
+          </a:xfrm>
+          <a:prstGeom prst="rect">
+            <a:avLst/>
+          </a:prstGeom>
+        </p:spPr>
+        <p:txBody>
+          <a:bodyPr/>
+          <a:lstStyle/>
+          <a:p>
+            <a:pPr/>
+            <a:r>
+              <a:t>#23 讚美詩</a:t>
+            </a:r>
+          </a:p>
+        </p:txBody>
+      </p:sp>
+      <p:sp>
+        <p:nvSpPr>
+          <p:cNvPr id="87" name="Slide Number"/>
           <p:cNvSpPr txBox="1"/>
           <p:nvPr>
             <p:ph type="sldNum" sz="quarter" idx="2"/>
           </p:nvPr>
         </p:nvSpPr>
         <p:spPr>
+          <a:xfrm>
+            <a:off x="5892800" y="6172200"/>
+            <a:ext cx="2844800" cy="368301"/>
+          </a:xfrm>
           <a:prstGeom prst="rect">
             <a:avLst/>
           </a:prstGeom>
@@ -1693,7 +1337,7 @@
 </file>
 
 <file path=ppt/slideMasters/slideMaster1.xml><?xml version="1.0" encoding="utf-8"?>
-<p:sldMaster xmlns:a="http://schemas.openxmlformats.org/drawingml/2006/main" xmlns:ns2="http://schemas.microsoft.com/office/mac/drawingml/2011/main" xmlns:p="http://schemas.openxmlformats.org/presentationml/2006/main" xmlns:r="http://schemas.openxmlformats.org/officeDocument/2006/relationships">
+<p:sldMaster xmlns:a="http://schemas.openxmlformats.org/drawingml/2006/main" xmlns:r="http://schemas.openxmlformats.org/officeDocument/2006/relationships" xmlns:p="http://schemas.openxmlformats.org/presentationml/2006/main" xmlns:m="http://schemas.openxmlformats.org/officeDocument/2006/math" xmlns:a14="http://schemas.microsoft.com/office/drawing/2010/main">
   <p:cSld>
     <p:bg>
       <p:bgPr>
@@ -1724,10 +1368,10 @@
         </p:nvGrpSpPr>
         <p:grpSpPr>
           <a:xfrm>
-            <a:off x="3657440" y="2128839"/>
-            <a:ext cx="8523454" cy="4721230"/>
-            <a:chOff x="0" y="0"/>
-            <a:chExt cx="8523452" cy="4721229"/>
+            <a:off x="3657437" y="2128837"/>
+            <a:ext cx="8523459" cy="4721233"/>
+            <a:chOff x="-2" y="-2"/>
+            <a:chExt cx="8523458" cy="4721232"/>
           </a:xfrm>
         </p:grpSpPr>
         <p:grpSp>
@@ -1738,10 +1382,10 @@
           </p:nvGrpSpPr>
           <p:grpSpPr>
             <a:xfrm>
-              <a:off x="-1" y="1411287"/>
-              <a:ext cx="8523454" cy="3309942"/>
-              <a:chOff x="0" y="0"/>
-              <a:chExt cx="8523452" cy="3309941"/>
+              <a:off x="-3" y="1411286"/>
+              <a:ext cx="8523459" cy="3309944"/>
+              <a:chOff x="-1" y="-1"/>
+              <a:chExt cx="8523457" cy="3309943"/>
             </a:xfrm>
           </p:grpSpPr>
           <p:sp>
@@ -1752,8 +1396,8 @@
             </p:nvSpPr>
             <p:spPr>
               <a:xfrm>
-                <a:off x="-1" y="657225"/>
-                <a:ext cx="6099974" cy="2652716"/>
+                <a:off x="-2" y="657225"/>
+                <a:ext cx="6099979" cy="2652718"/>
               </a:xfrm>
               <a:custGeom>
                 <a:avLst/>
@@ -2116,8 +1760,8 @@
             </p:nvSpPr>
             <p:spPr>
               <a:xfrm>
-                <a:off x="5168677" y="700087"/>
-                <a:ext cx="2664771" cy="1287466"/>
+                <a:off x="5168679" y="700087"/>
+                <a:ext cx="2664774" cy="1287467"/>
               </a:xfrm>
               <a:custGeom>
                 <a:avLst/>
@@ -2357,8 +2001,8 @@
             </p:nvSpPr>
             <p:spPr>
               <a:xfrm>
-                <a:off x="2480626" y="1771651"/>
-                <a:ext cx="6030126" cy="1538290"/>
+                <a:off x="2480627" y="1771651"/>
+                <a:ext cx="6030130" cy="1538292"/>
               </a:xfrm>
               <a:custGeom>
                 <a:avLst/>
@@ -2547,8 +2191,8 @@
             </p:nvSpPr>
             <p:spPr>
               <a:xfrm>
-                <a:off x="2158906" y="-1"/>
-                <a:ext cx="6364546" cy="3309942"/>
+                <a:off x="2158907" y="-2"/>
+                <a:ext cx="6364550" cy="3309945"/>
               </a:xfrm>
               <a:custGeom>
                 <a:avLst/>
@@ -2945,8 +2589,8 @@
             </p:nvSpPr>
             <p:spPr>
               <a:xfrm>
-                <a:off x="5869264" y="138112"/>
-                <a:ext cx="2641489" cy="855665"/>
+                <a:off x="5869267" y="138112"/>
+                <a:ext cx="2641491" cy="855666"/>
               </a:xfrm>
               <a:custGeom>
                 <a:avLst/>
@@ -3145,8 +2789,8 @@
           </p:nvSpPr>
           <p:spPr>
             <a:xfrm>
-              <a:off x="3373820" y="-2"/>
-              <a:ext cx="3862753" cy="2439991"/>
+              <a:off x="3373820" y="-3"/>
+              <a:ext cx="3862755" cy="2439993"/>
             </a:xfrm>
             <a:custGeom>
               <a:avLst/>
@@ -3493,9 +3137,38 @@
           </p:txBody>
         </p:sp>
       </p:grpSp>
+      <p:pic>
+        <p:nvPicPr>
+          <p:cNvPr id="10" name="MVCCC Logo" descr="MVCCC Logo"/>
+          <p:cNvPicPr>
+            <a:picLocks noChangeAspect="1"/>
+          </p:cNvPicPr>
+          <p:nvPr/>
+        </p:nvPicPr>
+        <p:blipFill>
+          <a:blip r:embed="rId2">
+            <a:extLst/>
+          </a:blip>
+          <a:stretch>
+            <a:fillRect/>
+          </a:stretch>
+        </p:blipFill>
+        <p:spPr>
+          <a:xfrm>
+            <a:off x="9814255" y="5810865"/>
+            <a:ext cx="2011681" cy="681376"/>
+          </a:xfrm>
+          <a:prstGeom prst="rect">
+            <a:avLst/>
+          </a:prstGeom>
+          <a:ln w="12700">
+            <a:miter lim="400000"/>
+          </a:ln>
+        </p:spPr>
+      </p:pic>
       <p:sp>
         <p:nvSpPr>
-          <p:cNvPr id="10" name="#23 讚美詩"/>
+          <p:cNvPr id="11" name="約翰福音 3:16"/>
           <p:cNvSpPr txBox="1"/>
           <p:nvPr>
             <p:ph type="title" hasCustomPrompt="1"/>
@@ -3514,7 +3187,7 @@
           </a:ln>
           <a:extLst>
             <a:ext uri="{C572A759-6A51-4108-AA02-DFA0A04FC94B}">
-              <ns2:wrappingTextBoxFlag val="1"/>
+              <ma14:wrappingTextBoxFlag xmlns:ma14="http://schemas.microsoft.com/office/mac/drawingml/2011/main" val="1"/>
             </a:ext>
           </a:extLst>
         </p:spPr>
@@ -3526,14 +3199,14 @@
           <a:p>
             <a:pPr/>
             <a:r>
-              <a:t>#23 讚美詩</a:t>
+              <a:t>約翰福音 3:16</a:t>
             </a:r>
           </a:p>
         </p:txBody>
       </p:sp>
       <p:sp>
         <p:nvSpPr>
-          <p:cNvPr id="11" name="Body Level One…"/>
+          <p:cNvPr id="12" name="Body Level One…"/>
           <p:cNvSpPr txBox="1"/>
           <p:nvPr>
             <p:ph type="body" idx="1" hasCustomPrompt="1"/>
@@ -3552,7 +3225,7 @@
           </a:ln>
           <a:extLst>
             <a:ext uri="{C572A759-6A51-4108-AA02-DFA0A04FC94B}">
-              <ns2:wrappingTextBoxFlag val="1"/>
+              <ma14:wrappingTextBoxFlag xmlns:ma14="http://schemas.microsoft.com/office/mac/drawingml/2011/main" val="1"/>
             </a:ext>
           </a:extLst>
         </p:spPr>
@@ -3564,7 +3237,7 @@
           <a:p>
             <a:pPr/>
             <a:r>
-              <a:t>讚美真神萬福之根</a:t>
+              <a:t>16 神愛世人，甚至將他的獨生子賜給他們，叫一切信他的不至滅亡反得永生。</a:t>
             </a:r>
           </a:p>
           <a:p>
@@ -3595,7 +3268,7 @@
       </p:sp>
       <p:sp>
         <p:nvSpPr>
-          <p:cNvPr id="12" name="Slide Number"/>
+          <p:cNvPr id="13" name="Slide Number"/>
           <p:cNvSpPr txBox="1"/>
           <p:nvPr>
             <p:ph type="sldNum" sz="quarter" idx="2"/>
@@ -3603,8 +3276,8 @@
         </p:nvSpPr>
         <p:spPr>
           <a:xfrm>
-            <a:off x="8490587" y="6228081"/>
-            <a:ext cx="247014" cy="256539"/>
+            <a:off x="8490590" y="6228082"/>
+            <a:ext cx="247012" cy="256537"/>
           </a:xfrm>
           <a:prstGeom prst="rect">
             <a:avLst/>
@@ -3636,45 +3309,22 @@
           </a:p>
         </p:txBody>
       </p:sp>
-      <p:pic>
-        <p:nvPicPr>
-          <p:cNvPr id="13" name="MVCCC Logo"/>
-          <p:cNvPicPr/>
-          <p:nvPr/>
-        </p:nvPicPr>
-        <p:blipFill>
-          <a:blip r:embed="rId11">
-            <a:alphaModFix amt="100000"/>
-          </a:blip>
-          <a:stretch>
-            <a:fillRect/>
-          </a:stretch>
-        </p:blipFill>
-        <p:spPr>
-          <a:xfrm>
-            <a:off x="9814255" y="5810865"/>
-            <a:ext cx="2011680" cy="681375"/>
-          </a:xfrm>
-          <a:prstGeom prst="rect">
-            <a:avLst/>
-          </a:prstGeom>
-        </p:spPr>
-      </p:pic>
     </p:spTree>
   </p:cSld>
   <p:clrMap bg1="lt1" tx1="dk1" bg2="lt2" tx2="dk2" accent1="accent1" accent2="accent2" accent3="accent3" accent4="accent4" accent5="accent5" accent6="accent6" hlink="hlink" folHlink="folHlink"/>
   <p:sldLayoutIdLst>
-    <p:sldLayoutId id="2147483649" r:id="rId2"/>
-    <p:sldLayoutId id="2147483650" r:id="rId3"/>
-    <p:sldLayoutId id="2147483651" r:id="rId4"/>
-    <p:sldLayoutId id="2147483652" r:id="rId5"/>
-    <p:sldLayoutId id="2147483653" r:id="rId6"/>
-    <p:sldLayoutId id="2147483654" r:id="rId7"/>
-    <p:sldLayoutId id="2147483655" r:id="rId8"/>
-    <p:sldLayoutId id="2147483656" r:id="rId9"/>
-    <p:sldLayoutId id="2147483657" r:id="rId10"/>
+    <p:sldLayoutId id="2147483649" r:id="rId3"/>
+    <p:sldLayoutId id="2147483650" r:id="rId4"/>
+    <p:sldLayoutId id="2147483651" r:id="rId5"/>
+    <p:sldLayoutId id="2147483652" r:id="rId6"/>
+    <p:sldLayoutId id="2147483653" r:id="rId7"/>
+    <p:sldLayoutId id="2147483654" r:id="rId8"/>
+    <p:sldLayoutId id="2147483655" r:id="rId9"/>
+    <p:sldLayoutId id="2147483656" r:id="rId10"/>
+    <p:sldLayoutId id="2147483657" r:id="rId11"/>
+    <p:sldLayoutId id="2147483658" r:id="rId12"/>
   </p:sldLayoutIdLst>
-  <p:transition spd="med" advClick="1"/>
+  <p:transition xmlns:p14="http://schemas.microsoft.com/office/powerpoint/2010/main" spd="med" advClick="1"/>
   <p:txStyles>
     <p:titleStyle>
       <a:lvl1pPr marL="0" marR="0" indent="0" algn="ctr" defTabSz="914400" rtl="0" latinLnBrk="0">
@@ -3692,9 +3342,9 @@
         <a:buFontTx/>
         <a:buNone/>
         <a:tabLst/>
-        <a:defRPr b="1" baseline="0" cap="none" i="0" spc="0" strike="noStrike" sz="5400" u="none">
+        <a:defRPr b="0" baseline="0" cap="none" i="0" spc="0" strike="noStrike" sz="5400" u="none">
           <a:solidFill>
-            <a:srgbClr val="F6C453"/>
+            <a:schemeClr val="accent6"/>
           </a:solidFill>
           <a:effectLst>
             <a:outerShdw sx="100000" sy="100000" kx="0" ky="0" algn="b" rotWithShape="0" blurRad="38100" dist="38100" dir="2700000">
@@ -3702,10 +3352,10 @@
             </a:outerShdw>
           </a:effectLst>
           <a:uFillTx/>
-          <a:latin typeface="PingFang TC"/>
-          <a:ea typeface="PingFang TC"/>
-          <a:cs typeface="PingFang TC"/>
-          <a:sym typeface="PingFang TC"/>
+          <a:latin typeface="PingFang TC Semibold"/>
+          <a:ea typeface="PingFang TC Semibold"/>
+          <a:cs typeface="PingFang TC Semibold"/>
+          <a:sym typeface="PingFang TC Semibold"/>
         </a:defRPr>
       </a:lvl1pPr>
       <a:lvl2pPr marL="0" marR="0" indent="0" algn="ctr" defTabSz="914400" rtl="0" latinLnBrk="0">
@@ -3723,9 +3373,9 @@
         <a:buFontTx/>
         <a:buNone/>
         <a:tabLst/>
-        <a:defRPr b="1" baseline="0" cap="none" i="0" spc="0" strike="noStrike" sz="5400" u="none">
+        <a:defRPr b="0" baseline="0" cap="none" i="0" spc="0" strike="noStrike" sz="5400" u="none">
           <a:solidFill>
-            <a:srgbClr val="F6C453"/>
+            <a:schemeClr val="accent6"/>
           </a:solidFill>
           <a:effectLst>
             <a:outerShdw sx="100000" sy="100000" kx="0" ky="0" algn="b" rotWithShape="0" blurRad="38100" dist="38100" dir="2700000">
@@ -3733,10 +3383,10 @@
             </a:outerShdw>
           </a:effectLst>
           <a:uFillTx/>
-          <a:latin typeface="PingFang TC"/>
-          <a:ea typeface="PingFang TC"/>
-          <a:cs typeface="PingFang TC"/>
-          <a:sym typeface="PingFang TC"/>
+          <a:latin typeface="PingFang TC Semibold"/>
+          <a:ea typeface="PingFang TC Semibold"/>
+          <a:cs typeface="PingFang TC Semibold"/>
+          <a:sym typeface="PingFang TC Semibold"/>
         </a:defRPr>
       </a:lvl2pPr>
       <a:lvl3pPr marL="0" marR="0" indent="0" algn="ctr" defTabSz="914400" rtl="0" latinLnBrk="0">
@@ -3754,9 +3404,9 @@
         <a:buFontTx/>
         <a:buNone/>
         <a:tabLst/>
-        <a:defRPr b="1" baseline="0" cap="none" i="0" spc="0" strike="noStrike" sz="5400" u="none">
+        <a:defRPr b="0" baseline="0" cap="none" i="0" spc="0" strike="noStrike" sz="5400" u="none">
           <a:solidFill>
-            <a:srgbClr val="F6C453"/>
+            <a:schemeClr val="accent6"/>
           </a:solidFill>
           <a:effectLst>
             <a:outerShdw sx="100000" sy="100000" kx="0" ky="0" algn="b" rotWithShape="0" blurRad="38100" dist="38100" dir="2700000">
@@ -3764,10 +3414,10 @@
             </a:outerShdw>
           </a:effectLst>
           <a:uFillTx/>
-          <a:latin typeface="PingFang TC"/>
-          <a:ea typeface="PingFang TC"/>
-          <a:cs typeface="PingFang TC"/>
-          <a:sym typeface="PingFang TC"/>
+          <a:latin typeface="PingFang TC Semibold"/>
+          <a:ea typeface="PingFang TC Semibold"/>
+          <a:cs typeface="PingFang TC Semibold"/>
+          <a:sym typeface="PingFang TC Semibold"/>
         </a:defRPr>
       </a:lvl3pPr>
       <a:lvl4pPr marL="0" marR="0" indent="0" algn="ctr" defTabSz="914400" rtl="0" latinLnBrk="0">
@@ -3785,9 +3435,9 @@
         <a:buFontTx/>
         <a:buNone/>
         <a:tabLst/>
-        <a:defRPr b="1" baseline="0" cap="none" i="0" spc="0" strike="noStrike" sz="5400" u="none">
+        <a:defRPr b="0" baseline="0" cap="none" i="0" spc="0" strike="noStrike" sz="5400" u="none">
           <a:solidFill>
-            <a:srgbClr val="F6C453"/>
+            <a:schemeClr val="accent6"/>
           </a:solidFill>
           <a:effectLst>
             <a:outerShdw sx="100000" sy="100000" kx="0" ky="0" algn="b" rotWithShape="0" blurRad="38100" dist="38100" dir="2700000">
@@ -3795,10 +3445,10 @@
             </a:outerShdw>
           </a:effectLst>
           <a:uFillTx/>
-          <a:latin typeface="PingFang TC"/>
-          <a:ea typeface="PingFang TC"/>
-          <a:cs typeface="PingFang TC"/>
-          <a:sym typeface="PingFang TC"/>
+          <a:latin typeface="PingFang TC Semibold"/>
+          <a:ea typeface="PingFang TC Semibold"/>
+          <a:cs typeface="PingFang TC Semibold"/>
+          <a:sym typeface="PingFang TC Semibold"/>
         </a:defRPr>
       </a:lvl4pPr>
       <a:lvl5pPr marL="0" marR="0" indent="0" algn="ctr" defTabSz="914400" rtl="0" latinLnBrk="0">
@@ -3816,9 +3466,9 @@
         <a:buFontTx/>
         <a:buNone/>
         <a:tabLst/>
-        <a:defRPr b="1" baseline="0" cap="none" i="0" spc="0" strike="noStrike" sz="5400" u="none">
+        <a:defRPr b="0" baseline="0" cap="none" i="0" spc="0" strike="noStrike" sz="5400" u="none">
           <a:solidFill>
-            <a:srgbClr val="F6C453"/>
+            <a:schemeClr val="accent6"/>
           </a:solidFill>
           <a:effectLst>
             <a:outerShdw sx="100000" sy="100000" kx="0" ky="0" algn="b" rotWithShape="0" blurRad="38100" dist="38100" dir="2700000">
@@ -3826,10 +3476,10 @@
             </a:outerShdw>
           </a:effectLst>
           <a:uFillTx/>
-          <a:latin typeface="PingFang TC"/>
-          <a:ea typeface="PingFang TC"/>
-          <a:cs typeface="PingFang TC"/>
-          <a:sym typeface="PingFang TC"/>
+          <a:latin typeface="PingFang TC Semibold"/>
+          <a:ea typeface="PingFang TC Semibold"/>
+          <a:cs typeface="PingFang TC Semibold"/>
+          <a:sym typeface="PingFang TC Semibold"/>
         </a:defRPr>
       </a:lvl5pPr>
       <a:lvl6pPr marL="0" marR="0" indent="0" algn="ctr" defTabSz="914400" rtl="0" latinLnBrk="0">
@@ -3847,9 +3497,9 @@
         <a:buFontTx/>
         <a:buNone/>
         <a:tabLst/>
-        <a:defRPr b="1" baseline="0" cap="none" i="0" spc="0" strike="noStrike" sz="5400" u="none">
+        <a:defRPr b="0" baseline="0" cap="none" i="0" spc="0" strike="noStrike" sz="5400" u="none">
           <a:solidFill>
-            <a:srgbClr val="F6C453"/>
+            <a:schemeClr val="accent6"/>
           </a:solidFill>
           <a:effectLst>
             <a:outerShdw sx="100000" sy="100000" kx="0" ky="0" algn="b" rotWithShape="0" blurRad="38100" dist="38100" dir="2700000">
@@ -3857,10 +3507,10 @@
             </a:outerShdw>
           </a:effectLst>
           <a:uFillTx/>
-          <a:latin typeface="PingFang TC"/>
-          <a:ea typeface="PingFang TC"/>
-          <a:cs typeface="PingFang TC"/>
-          <a:sym typeface="PingFang TC"/>
+          <a:latin typeface="PingFang TC Semibold"/>
+          <a:ea typeface="PingFang TC Semibold"/>
+          <a:cs typeface="PingFang TC Semibold"/>
+          <a:sym typeface="PingFang TC Semibold"/>
         </a:defRPr>
       </a:lvl6pPr>
       <a:lvl7pPr marL="0" marR="0" indent="0" algn="ctr" defTabSz="914400" rtl="0" latinLnBrk="0">
@@ -3878,9 +3528,9 @@
         <a:buFontTx/>
         <a:buNone/>
         <a:tabLst/>
-        <a:defRPr b="1" baseline="0" cap="none" i="0" spc="0" strike="noStrike" sz="5400" u="none">
+        <a:defRPr b="0" baseline="0" cap="none" i="0" spc="0" strike="noStrike" sz="5400" u="none">
           <a:solidFill>
-            <a:srgbClr val="F6C453"/>
+            <a:schemeClr val="accent6"/>
           </a:solidFill>
           <a:effectLst>
             <a:outerShdw sx="100000" sy="100000" kx="0" ky="0" algn="b" rotWithShape="0" blurRad="38100" dist="38100" dir="2700000">
@@ -3888,10 +3538,10 @@
             </a:outerShdw>
           </a:effectLst>
           <a:uFillTx/>
-          <a:latin typeface="PingFang TC"/>
-          <a:ea typeface="PingFang TC"/>
-          <a:cs typeface="PingFang TC"/>
-          <a:sym typeface="PingFang TC"/>
+          <a:latin typeface="PingFang TC Semibold"/>
+          <a:ea typeface="PingFang TC Semibold"/>
+          <a:cs typeface="PingFang TC Semibold"/>
+          <a:sym typeface="PingFang TC Semibold"/>
         </a:defRPr>
       </a:lvl7pPr>
       <a:lvl8pPr marL="0" marR="0" indent="0" algn="ctr" defTabSz="914400" rtl="0" latinLnBrk="0">
@@ -3909,9 +3559,9 @@
         <a:buFontTx/>
         <a:buNone/>
         <a:tabLst/>
-        <a:defRPr b="1" baseline="0" cap="none" i="0" spc="0" strike="noStrike" sz="5400" u="none">
+        <a:defRPr b="0" baseline="0" cap="none" i="0" spc="0" strike="noStrike" sz="5400" u="none">
           <a:solidFill>
-            <a:srgbClr val="F6C453"/>
+            <a:schemeClr val="accent6"/>
           </a:solidFill>
           <a:effectLst>
             <a:outerShdw sx="100000" sy="100000" kx="0" ky="0" algn="b" rotWithShape="0" blurRad="38100" dist="38100" dir="2700000">
@@ -3919,10 +3569,10 @@
             </a:outerShdw>
           </a:effectLst>
           <a:uFillTx/>
-          <a:latin typeface="PingFang TC"/>
-          <a:ea typeface="PingFang TC"/>
-          <a:cs typeface="PingFang TC"/>
-          <a:sym typeface="PingFang TC"/>
+          <a:latin typeface="PingFang TC Semibold"/>
+          <a:ea typeface="PingFang TC Semibold"/>
+          <a:cs typeface="PingFang TC Semibold"/>
+          <a:sym typeface="PingFang TC Semibold"/>
         </a:defRPr>
       </a:lvl8pPr>
       <a:lvl9pPr marL="0" marR="0" indent="0" algn="ctr" defTabSz="914400" rtl="0" latinLnBrk="0">
@@ -3940,9 +3590,9 @@
         <a:buFontTx/>
         <a:buNone/>
         <a:tabLst/>
-        <a:defRPr b="1" baseline="0" cap="none" i="0" spc="0" strike="noStrike" sz="5400" u="none">
+        <a:defRPr b="0" baseline="0" cap="none" i="0" spc="0" strike="noStrike" sz="5400" u="none">
           <a:solidFill>
-            <a:srgbClr val="F6C453"/>
+            <a:schemeClr val="accent6"/>
           </a:solidFill>
           <a:effectLst>
             <a:outerShdw sx="100000" sy="100000" kx="0" ky="0" algn="b" rotWithShape="0" blurRad="38100" dist="38100" dir="2700000">
@@ -3950,20 +3600,20 @@
             </a:outerShdw>
           </a:effectLst>
           <a:uFillTx/>
-          <a:latin typeface="PingFang TC"/>
-          <a:ea typeface="PingFang TC"/>
-          <a:cs typeface="PingFang TC"/>
-          <a:sym typeface="PingFang TC"/>
+          <a:latin typeface="PingFang TC Semibold"/>
+          <a:ea typeface="PingFang TC Semibold"/>
+          <a:cs typeface="PingFang TC Semibold"/>
+          <a:sym typeface="PingFang TC Semibold"/>
         </a:defRPr>
       </a:lvl9pPr>
     </p:titleStyle>
     <p:bodyStyle>
-      <a:lvl1pPr marL="342900" marR="0" indent="-342900" algn="ctr" defTabSz="914400" rtl="0" latinLnBrk="0">
+      <a:lvl1pPr marL="342900" marR="0" indent="-342900" algn="l" defTabSz="914400" rtl="0" latinLnBrk="0">
         <a:lnSpc>
           <a:spcPct val="100000"/>
         </a:lnSpc>
         <a:spcBef>
-          <a:spcPts val="600"/>
+          <a:spcPts val="500"/>
         </a:spcBef>
         <a:spcAft>
           <a:spcPts val="0"/>
@@ -3973,9 +3623,9 @@
         <a:buFontTx/>
         <a:buNone/>
         <a:tabLst/>
-        <a:defRPr b="0" baseline="0" cap="none" i="0" spc="0" strike="noStrike" sz="5400" u="none">
+        <a:defRPr b="0" baseline="0" cap="none" i="0" spc="0" strike="noStrike" sz="4800" u="none">
           <a:solidFill>
-            <a:srgbClr val="F6C453"/>
+            <a:schemeClr val="accent6"/>
           </a:solidFill>
           <a:effectLst>
             <a:outerShdw sx="100000" sy="100000" kx="0" ky="0" algn="b" rotWithShape="0" blurRad="38100" dist="38100" dir="2700000">
@@ -3983,18 +3633,18 @@
             </a:outerShdw>
           </a:effectLst>
           <a:uFillTx/>
-          <a:latin typeface="PingFang TC"/>
-          <a:ea typeface="PingFang TC"/>
-          <a:cs typeface="PingFang TC"/>
-          <a:sym typeface="PingFang TC"/>
+          <a:latin typeface="Helvetica Neue"/>
+          <a:ea typeface="Helvetica Neue"/>
+          <a:cs typeface="Helvetica Neue"/>
+          <a:sym typeface="Helvetica Neue"/>
         </a:defRPr>
       </a:lvl1pPr>
-      <a:lvl2pPr marL="1008289" marR="0" indent="-551088" algn="ctr" defTabSz="914400" rtl="0" latinLnBrk="0">
+      <a:lvl2pPr marL="947057" marR="0" indent="-489857" algn="l" defTabSz="914400" rtl="0" latinLnBrk="0">
         <a:lnSpc>
           <a:spcPct val="100000"/>
         </a:lnSpc>
         <a:spcBef>
-          <a:spcPts val="600"/>
+          <a:spcPts val="500"/>
         </a:spcBef>
         <a:spcAft>
           <a:spcPts val="0"/>
@@ -4004,9 +3654,9 @@
         <a:buFontTx/>
         <a:buChar char="■"/>
         <a:tabLst/>
-        <a:defRPr b="0" baseline="0" cap="none" i="0" spc="0" strike="noStrike" sz="5400" u="none">
+        <a:defRPr b="0" baseline="0" cap="none" i="0" spc="0" strike="noStrike" sz="4800" u="none">
           <a:solidFill>
-            <a:srgbClr val="F6C453"/>
+            <a:schemeClr val="accent6"/>
           </a:solidFill>
           <a:effectLst>
             <a:outerShdw sx="100000" sy="100000" kx="0" ky="0" algn="b" rotWithShape="0" blurRad="38100" dist="38100" dir="2700000">
@@ -4014,18 +3664,18 @@
             </a:outerShdw>
           </a:effectLst>
           <a:uFillTx/>
-          <a:latin typeface="PingFang TC"/>
-          <a:ea typeface="PingFang TC"/>
-          <a:cs typeface="PingFang TC"/>
-          <a:sym typeface="PingFang TC"/>
+          <a:latin typeface="Helvetica Neue"/>
+          <a:ea typeface="Helvetica Neue"/>
+          <a:cs typeface="Helvetica Neue"/>
+          <a:sym typeface="Helvetica Neue"/>
         </a:defRPr>
       </a:lvl2pPr>
-      <a:lvl3pPr marL="1428750" marR="0" indent="-514350" algn="ctr" defTabSz="914400" rtl="0" latinLnBrk="0">
+      <a:lvl3pPr marL="1371600" marR="0" indent="-457200" algn="l" defTabSz="914400" rtl="0" latinLnBrk="0">
         <a:lnSpc>
           <a:spcPct val="100000"/>
         </a:lnSpc>
         <a:spcBef>
-          <a:spcPts val="600"/>
+          <a:spcPts val="500"/>
         </a:spcBef>
         <a:spcAft>
           <a:spcPts val="0"/>
@@ -4035,9 +3685,9 @@
         <a:buFontTx/>
         <a:buChar char="■"/>
         <a:tabLst/>
-        <a:defRPr b="0" baseline="0" cap="none" i="0" spc="0" strike="noStrike" sz="5400" u="none">
+        <a:defRPr b="0" baseline="0" cap="none" i="0" spc="0" strike="noStrike" sz="4800" u="none">
           <a:solidFill>
-            <a:srgbClr val="F6C453"/>
+            <a:schemeClr val="accent6"/>
           </a:solidFill>
           <a:effectLst>
             <a:outerShdw sx="100000" sy="100000" kx="0" ky="0" algn="b" rotWithShape="0" blurRad="38100" dist="38100" dir="2700000">
@@ -4045,18 +3695,18 @@
             </a:outerShdw>
           </a:effectLst>
           <a:uFillTx/>
-          <a:latin typeface="PingFang TC"/>
-          <a:ea typeface="PingFang TC"/>
-          <a:cs typeface="PingFang TC"/>
-          <a:sym typeface="PingFang TC"/>
+          <a:latin typeface="Helvetica Neue"/>
+          <a:ea typeface="Helvetica Neue"/>
+          <a:cs typeface="Helvetica Neue"/>
+          <a:sym typeface="Helvetica Neue"/>
         </a:defRPr>
       </a:lvl3pPr>
-      <a:lvl4pPr marL="1988820" marR="0" indent="-617219" algn="ctr" defTabSz="914400" rtl="0" latinLnBrk="0">
+      <a:lvl4pPr marL="1920238" marR="0" indent="-548638" algn="l" defTabSz="914400" rtl="0" latinLnBrk="0">
         <a:lnSpc>
           <a:spcPct val="100000"/>
         </a:lnSpc>
         <a:spcBef>
-          <a:spcPts val="600"/>
+          <a:spcPts val="500"/>
         </a:spcBef>
         <a:spcAft>
           <a:spcPts val="0"/>
@@ -4066,9 +3716,9 @@
         <a:buFontTx/>
         <a:buChar char="■"/>
         <a:tabLst/>
-        <a:defRPr b="0" baseline="0" cap="none" i="0" spc="0" strike="noStrike" sz="5400" u="none">
+        <a:defRPr b="0" baseline="0" cap="none" i="0" spc="0" strike="noStrike" sz="4800" u="none">
           <a:solidFill>
-            <a:srgbClr val="F6C453"/>
+            <a:schemeClr val="accent6"/>
           </a:solidFill>
           <a:effectLst>
             <a:outerShdw sx="100000" sy="100000" kx="0" ky="0" algn="b" rotWithShape="0" blurRad="38100" dist="38100" dir="2700000">
@@ -4076,18 +3726,18 @@
             </a:outerShdw>
           </a:effectLst>
           <a:uFillTx/>
-          <a:latin typeface="PingFang TC"/>
-          <a:ea typeface="PingFang TC"/>
-          <a:cs typeface="PingFang TC"/>
-          <a:sym typeface="PingFang TC"/>
+          <a:latin typeface="Helvetica Neue"/>
+          <a:ea typeface="Helvetica Neue"/>
+          <a:cs typeface="Helvetica Neue"/>
+          <a:sym typeface="Helvetica Neue"/>
         </a:defRPr>
       </a:lvl4pPr>
-      <a:lvl5pPr marL="2446020" marR="0" indent="-617220" algn="ctr" defTabSz="914400" rtl="0" latinLnBrk="0">
+      <a:lvl5pPr marL="2377438" marR="0" indent="-548638" algn="l" defTabSz="914400" rtl="0" latinLnBrk="0">
         <a:lnSpc>
           <a:spcPct val="100000"/>
         </a:lnSpc>
         <a:spcBef>
-          <a:spcPts val="600"/>
+          <a:spcPts val="500"/>
         </a:spcBef>
         <a:spcAft>
           <a:spcPts val="0"/>
@@ -4097,9 +3747,9 @@
         <a:buFontTx/>
         <a:buChar char="■"/>
         <a:tabLst/>
-        <a:defRPr b="0" baseline="0" cap="none" i="0" spc="0" strike="noStrike" sz="5400" u="none">
+        <a:defRPr b="0" baseline="0" cap="none" i="0" spc="0" strike="noStrike" sz="4800" u="none">
           <a:solidFill>
-            <a:srgbClr val="F6C453"/>
+            <a:schemeClr val="accent6"/>
           </a:solidFill>
           <a:effectLst>
             <a:outerShdw sx="100000" sy="100000" kx="0" ky="0" algn="b" rotWithShape="0" blurRad="38100" dist="38100" dir="2700000">
@@ -4107,18 +3757,18 @@
             </a:outerShdw>
           </a:effectLst>
           <a:uFillTx/>
-          <a:latin typeface="PingFang TC"/>
-          <a:ea typeface="PingFang TC"/>
-          <a:cs typeface="PingFang TC"/>
-          <a:sym typeface="PingFang TC"/>
+          <a:latin typeface="Helvetica Neue"/>
+          <a:ea typeface="Helvetica Neue"/>
+          <a:cs typeface="Helvetica Neue"/>
+          <a:sym typeface="Helvetica Neue"/>
         </a:defRPr>
       </a:lvl5pPr>
-      <a:lvl6pPr marL="2903218" marR="0" indent="-617218" algn="ctr" defTabSz="914400" rtl="0" latinLnBrk="0">
+      <a:lvl6pPr marL="2834638" marR="0" indent="-548638" algn="l" defTabSz="914400" rtl="0" latinLnBrk="0">
         <a:lnSpc>
           <a:spcPct val="100000"/>
         </a:lnSpc>
         <a:spcBef>
-          <a:spcPts val="600"/>
+          <a:spcPts val="500"/>
         </a:spcBef>
         <a:spcAft>
           <a:spcPts val="0"/>
@@ -4128,9 +3778,9 @@
         <a:buFontTx/>
         <a:buChar char="■"/>
         <a:tabLst/>
-        <a:defRPr b="0" baseline="0" cap="none" i="0" spc="0" strike="noStrike" sz="5400" u="none">
+        <a:defRPr b="0" baseline="0" cap="none" i="0" spc="0" strike="noStrike" sz="4800" u="none">
           <a:solidFill>
-            <a:srgbClr val="F6C453"/>
+            <a:schemeClr val="accent6"/>
           </a:solidFill>
           <a:effectLst>
             <a:outerShdw sx="100000" sy="100000" kx="0" ky="0" algn="b" rotWithShape="0" blurRad="38100" dist="38100" dir="2700000">
@@ -4138,18 +3788,18 @@
             </a:outerShdw>
           </a:effectLst>
           <a:uFillTx/>
-          <a:latin typeface="PingFang TC"/>
-          <a:ea typeface="PingFang TC"/>
-          <a:cs typeface="PingFang TC"/>
-          <a:sym typeface="PingFang TC"/>
+          <a:latin typeface="Helvetica Neue"/>
+          <a:ea typeface="Helvetica Neue"/>
+          <a:cs typeface="Helvetica Neue"/>
+          <a:sym typeface="Helvetica Neue"/>
         </a:defRPr>
       </a:lvl6pPr>
-      <a:lvl7pPr marL="3360420" marR="0" indent="-617219" algn="ctr" defTabSz="914400" rtl="0" latinLnBrk="0">
+      <a:lvl7pPr marL="3291840" marR="0" indent="-548638" algn="l" defTabSz="914400" rtl="0" latinLnBrk="0">
         <a:lnSpc>
           <a:spcPct val="100000"/>
         </a:lnSpc>
         <a:spcBef>
-          <a:spcPts val="600"/>
+          <a:spcPts val="500"/>
         </a:spcBef>
         <a:spcAft>
           <a:spcPts val="0"/>
@@ -4159,9 +3809,9 @@
         <a:buFontTx/>
         <a:buChar char="■"/>
         <a:tabLst/>
-        <a:defRPr b="0" baseline="0" cap="none" i="0" spc="0" strike="noStrike" sz="5400" u="none">
+        <a:defRPr b="0" baseline="0" cap="none" i="0" spc="0" strike="noStrike" sz="4800" u="none">
           <a:solidFill>
-            <a:srgbClr val="F6C453"/>
+            <a:schemeClr val="accent6"/>
           </a:solidFill>
           <a:effectLst>
             <a:outerShdw sx="100000" sy="100000" kx="0" ky="0" algn="b" rotWithShape="0" blurRad="38100" dist="38100" dir="2700000">
@@ -4169,18 +3819,18 @@
             </a:outerShdw>
           </a:effectLst>
           <a:uFillTx/>
-          <a:latin typeface="PingFang TC"/>
-          <a:ea typeface="PingFang TC"/>
-          <a:cs typeface="PingFang TC"/>
-          <a:sym typeface="PingFang TC"/>
+          <a:latin typeface="Helvetica Neue"/>
+          <a:ea typeface="Helvetica Neue"/>
+          <a:cs typeface="Helvetica Neue"/>
+          <a:sym typeface="Helvetica Neue"/>
         </a:defRPr>
       </a:lvl7pPr>
-      <a:lvl8pPr marL="3817620" marR="0" indent="-617219" algn="ctr" defTabSz="914400" rtl="0" latinLnBrk="0">
+      <a:lvl8pPr marL="3749040" marR="0" indent="-548638" algn="l" defTabSz="914400" rtl="0" latinLnBrk="0">
         <a:lnSpc>
           <a:spcPct val="100000"/>
         </a:lnSpc>
         <a:spcBef>
-          <a:spcPts val="600"/>
+          <a:spcPts val="500"/>
         </a:spcBef>
         <a:spcAft>
           <a:spcPts val="0"/>
@@ -4190,9 +3840,9 @@
         <a:buFontTx/>
         <a:buChar char="■"/>
         <a:tabLst/>
-        <a:defRPr b="0" baseline="0" cap="none" i="0" spc="0" strike="noStrike" sz="5400" u="none">
+        <a:defRPr b="0" baseline="0" cap="none" i="0" spc="0" strike="noStrike" sz="4800" u="none">
           <a:solidFill>
-            <a:srgbClr val="F6C453"/>
+            <a:schemeClr val="accent6"/>
           </a:solidFill>
           <a:effectLst>
             <a:outerShdw sx="100000" sy="100000" kx="0" ky="0" algn="b" rotWithShape="0" blurRad="38100" dist="38100" dir="2700000">
@@ -4200,18 +3850,18 @@
             </a:outerShdw>
           </a:effectLst>
           <a:uFillTx/>
-          <a:latin typeface="PingFang TC"/>
-          <a:ea typeface="PingFang TC"/>
-          <a:cs typeface="PingFang TC"/>
-          <a:sym typeface="PingFang TC"/>
+          <a:latin typeface="Helvetica Neue"/>
+          <a:ea typeface="Helvetica Neue"/>
+          <a:cs typeface="Helvetica Neue"/>
+          <a:sym typeface="Helvetica Neue"/>
         </a:defRPr>
       </a:lvl8pPr>
-      <a:lvl9pPr marL="4274820" marR="0" indent="-617220" algn="ctr" defTabSz="914400" rtl="0" latinLnBrk="0">
+      <a:lvl9pPr marL="4206240" marR="0" indent="-548640" algn="l" defTabSz="914400" rtl="0" latinLnBrk="0">
         <a:lnSpc>
           <a:spcPct val="100000"/>
         </a:lnSpc>
         <a:spcBef>
-          <a:spcPts val="600"/>
+          <a:spcPts val="500"/>
         </a:spcBef>
         <a:spcAft>
           <a:spcPts val="0"/>
@@ -4221,9 +3871,9 @@
         <a:buFontTx/>
         <a:buChar char="■"/>
         <a:tabLst/>
-        <a:defRPr b="0" baseline="0" cap="none" i="0" spc="0" strike="noStrike" sz="5400" u="none">
+        <a:defRPr b="0" baseline="0" cap="none" i="0" spc="0" strike="noStrike" sz="4800" u="none">
           <a:solidFill>
-            <a:srgbClr val="F6C453"/>
+            <a:schemeClr val="accent6"/>
           </a:solidFill>
           <a:effectLst>
             <a:outerShdw sx="100000" sy="100000" kx="0" ky="0" algn="b" rotWithShape="0" blurRad="38100" dist="38100" dir="2700000">
@@ -4231,10 +3881,10 @@
             </a:outerShdw>
           </a:effectLst>
           <a:uFillTx/>
-          <a:latin typeface="PingFang TC"/>
-          <a:ea typeface="PingFang TC"/>
-          <a:cs typeface="PingFang TC"/>
-          <a:sym typeface="PingFang TC"/>
+          <a:latin typeface="Helvetica Neue"/>
+          <a:ea typeface="Helvetica Neue"/>
+          <a:cs typeface="Helvetica Neue"/>
+          <a:sym typeface="Helvetica Neue"/>
         </a:defRPr>
       </a:lvl9pPr>
     </p:bodyStyle>
@@ -4497,72 +4147,17 @@
       </p:grpSpPr>
       <p:sp>
         <p:nvSpPr>
-          <p:cNvPr id="98" name="信息「做門徒的代價」朱樂華 牧師"/>
+          <p:cNvPr id="104" name="Body Level One…"/>
           <p:cNvSpPr txBox="1"/>
           <p:nvPr>
-            <p:ph type="title"/>
+            <p:ph type="body" idx="21"/>
           </p:nvPr>
         </p:nvSpPr>
         <p:spPr>
-          <a:prstGeom prst="rect">
-            <a:avLst/>
-          </a:prstGeom>
-        </p:spPr>
-        <p:txBody>
-          <a:bodyPr/>
-          <a:lstStyle/>
-          <a:p>
-            <a:pPr defTabSz="905255">
-              <a:defRPr sz="5940">
-                <a:effectLst>
-                  <a:outerShdw sx="100000" sy="100000" kx="0" ky="0" algn="b" rotWithShape="0" blurRad="37719" dist="37719" dir="2700000">
-                    <a:srgbClr val="0B0F14"/>
-                  </a:outerShdw>
-                </a:effectLst>
-              </a:defRPr>
-            </a:pPr>
-          </a:p>
-        </p:txBody>
-      </p:sp>
-      <p:sp>
-        <p:nvSpPr>
-          <p:cNvPr id="99" name="Title"/>
-          <p:cNvSpPr/>
-          <p:nvPr>
-            <p:ph type="body" sz="quarter" idx="12"/>
-          </p:nvPr>
-        </p:nvSpPr>
-        <p:spPr>
-          <a:prstGeom prst="roundRect">
-            <a:avLst>
-              <a:gd name="adj" fmla="val 0"/>
-            </a:avLst>
-          </a:prstGeom>
-        </p:spPr>
-        <p:txBody>
-          <a:bodyPr/>
-          <a:lstStyle/>
-          <a:p>
-            <a:pPr>
-              <a:defRPr>
-                <a:effectLst/>
-              </a:defRPr>
-            </a:pPr>
-            <a:r>
-              <a:t>Title</a:t>
-            </a:r>
-          </a:p>
-        </p:txBody>
-      </p:sp>
-      <p:sp>
-        <p:nvSpPr>
-          <p:cNvPr id="100" name="神愛世人"/>
-          <p:cNvSpPr txBox="1"/>
-          <p:nvPr>
-            <p:ph type="body" idx="1"/>
-          </p:nvPr>
-        </p:nvSpPr>
-        <p:spPr>
+          <a:xfrm>
+            <a:off x="406400" y="589901"/>
+            <a:ext cx="11379200" cy="5678198"/>
+          </a:xfrm>
           <a:prstGeom prst="rect">
             <a:avLst/>
           </a:prstGeom>
@@ -4595,10 +4190,10 @@
         <a:srgbClr val="0B0F14"/>
       </a:lt1>
       <a:dk2>
-        <a:srgbClr val="CBD5E1"/>
+        <a:srgbClr val="A7A7A7"/>
       </a:dk2>
       <a:lt2>
-        <a:srgbClr val="1B2430"/>
+        <a:srgbClr val="535353"/>
       </a:lt2>
       <a:accent1>
         <a:srgbClr val="7DD3FC"/>
@@ -4619,22 +4214,22 @@
         <a:srgbClr val="F6C453"/>
       </a:accent6>
       <a:hlink>
-        <a:srgbClr val="7DD3FC"/>
+        <a:srgbClr val="0000FF"/>
       </a:hlink>
       <a:folHlink>
-        <a:srgbClr val="A5B4FC"/>
+        <a:srgbClr val="FF00FF"/>
       </a:folHlink>
     </a:clrScheme>
     <a:fontScheme name="Stream_blue">
       <a:majorFont>
+        <a:latin typeface="Arial"/>
+        <a:ea typeface="Arial"/>
+        <a:cs typeface="Arial"/>
+      </a:majorFont>
+      <a:minorFont>
         <a:latin typeface="Helvetica"/>
         <a:ea typeface="Helvetica"/>
         <a:cs typeface="Helvetica"/>
-      </a:majorFont>
-      <a:minorFont>
-        <a:latin typeface="Arial"/>
-        <a:ea typeface="Arial"/>
-        <a:cs typeface="Arial"/>
       </a:minorFont>
     </a:fontScheme>
     <a:fmtScheme name="Stream_blue">
@@ -4818,7 +4413,7 @@
             <a:latin typeface="+mj-lt"/>
             <a:ea typeface="+mj-ea"/>
             <a:cs typeface="+mj-cs"/>
-            <a:sym typeface="Helvetica"/>
+            <a:sym typeface="Arial"/>
           </a:defRPr>
         </a:defPPr>
         <a:lvl1pPr marL="0" marR="0" indent="0" algn="l" defTabSz="914400" rtl="0" fontAlgn="auto" latinLnBrk="1" hangingPunct="0">
@@ -4841,7 +4436,7 @@
               <a:noFill/>
             </a:ln>
             <a:solidFill>
-              <a:srgbClr val="0B0F14"/>
+              <a:srgbClr val="000000"/>
             </a:solidFill>
             <a:effectLst/>
             <a:uFillTx/>
@@ -4867,7 +4462,7 @@
               <a:noFill/>
             </a:ln>
             <a:solidFill>
-              <a:srgbClr val="0B0F14"/>
+              <a:srgbClr val="000000"/>
             </a:solidFill>
             <a:effectLst/>
             <a:uFillTx/>
@@ -4893,7 +4488,7 @@
               <a:noFill/>
             </a:ln>
             <a:solidFill>
-              <a:srgbClr val="0B0F14"/>
+              <a:srgbClr val="000000"/>
             </a:solidFill>
             <a:effectLst/>
             <a:uFillTx/>
@@ -4919,7 +4514,7 @@
               <a:noFill/>
             </a:ln>
             <a:solidFill>
-              <a:srgbClr val="0B0F14"/>
+              <a:srgbClr val="000000"/>
             </a:solidFill>
             <a:effectLst/>
             <a:uFillTx/>
@@ -4945,7 +4540,7 @@
               <a:noFill/>
             </a:ln>
             <a:solidFill>
-              <a:srgbClr val="0B0F14"/>
+              <a:srgbClr val="000000"/>
             </a:solidFill>
             <a:effectLst/>
             <a:uFillTx/>
@@ -4971,7 +4566,7 @@
               <a:noFill/>
             </a:ln>
             <a:solidFill>
-              <a:srgbClr val="0B0F14"/>
+              <a:srgbClr val="000000"/>
             </a:solidFill>
             <a:effectLst/>
             <a:uFillTx/>
@@ -4997,7 +4592,7 @@
               <a:noFill/>
             </a:ln>
             <a:solidFill>
-              <a:srgbClr val="0B0F14"/>
+              <a:srgbClr val="000000"/>
             </a:solidFill>
             <a:effectLst/>
             <a:uFillTx/>
@@ -5023,7 +4618,7 @@
               <a:noFill/>
             </a:ln>
             <a:solidFill>
-              <a:srgbClr val="0B0F14"/>
+              <a:srgbClr val="000000"/>
             </a:solidFill>
             <a:effectLst/>
             <a:uFillTx/>
@@ -5049,7 +4644,7 @@
               <a:noFill/>
             </a:ln>
             <a:solidFill>
-              <a:srgbClr val="0B0F14"/>
+              <a:srgbClr val="000000"/>
             </a:solidFill>
             <a:effectLst/>
             <a:uFillTx/>
@@ -5100,7 +4695,7 @@
               <a:noFill/>
             </a:ln>
             <a:solidFill>
-              <a:srgbClr val="0B0F14"/>
+              <a:srgbClr val="000000"/>
             </a:solidFill>
             <a:effectLst/>
             <a:uFillTx/>
@@ -5126,7 +4721,7 @@
               <a:noFill/>
             </a:ln>
             <a:solidFill>
-              <a:srgbClr val="0B0F14"/>
+              <a:srgbClr val="000000"/>
             </a:solidFill>
             <a:effectLst/>
             <a:uFillTx/>
@@ -5152,7 +4747,7 @@
               <a:noFill/>
             </a:ln>
             <a:solidFill>
-              <a:srgbClr val="0B0F14"/>
+              <a:srgbClr val="000000"/>
             </a:solidFill>
             <a:effectLst/>
             <a:uFillTx/>
@@ -5178,7 +4773,7 @@
               <a:noFill/>
             </a:ln>
             <a:solidFill>
-              <a:srgbClr val="0B0F14"/>
+              <a:srgbClr val="000000"/>
             </a:solidFill>
             <a:effectLst/>
             <a:uFillTx/>
@@ -5204,7 +4799,7 @@
               <a:noFill/>
             </a:ln>
             <a:solidFill>
-              <a:srgbClr val="0B0F14"/>
+              <a:srgbClr val="000000"/>
             </a:solidFill>
             <a:effectLst/>
             <a:uFillTx/>
@@ -5230,7 +4825,7 @@
               <a:noFill/>
             </a:ln>
             <a:solidFill>
-              <a:srgbClr val="0B0F14"/>
+              <a:srgbClr val="000000"/>
             </a:solidFill>
             <a:effectLst/>
             <a:uFillTx/>
@@ -5256,7 +4851,7 @@
               <a:noFill/>
             </a:ln>
             <a:solidFill>
-              <a:srgbClr val="0B0F14"/>
+              <a:srgbClr val="000000"/>
             </a:solidFill>
             <a:effectLst/>
             <a:uFillTx/>
@@ -5282,7 +4877,7 @@
               <a:noFill/>
             </a:ln>
             <a:solidFill>
-              <a:srgbClr val="0B0F14"/>
+              <a:srgbClr val="000000"/>
             </a:solidFill>
             <a:effectLst/>
             <a:uFillTx/>
@@ -5308,7 +4903,7 @@
               <a:noFill/>
             </a:ln>
             <a:solidFill>
-              <a:srgbClr val="0B0F14"/>
+              <a:srgbClr val="000000"/>
             </a:solidFill>
             <a:effectLst/>
             <a:uFillTx/>
@@ -5334,7 +4929,7 @@
               <a:noFill/>
             </a:ln>
             <a:solidFill>
-              <a:srgbClr val="0B0F14"/>
+              <a:srgbClr val="000000"/>
             </a:solidFill>
             <a:effectLst/>
             <a:uFillTx/>
@@ -5389,7 +4984,7 @@
             <a:latin typeface="+mj-lt"/>
             <a:ea typeface="+mj-ea"/>
             <a:cs typeface="+mj-cs"/>
-            <a:sym typeface="Helvetica"/>
+            <a:sym typeface="Arial"/>
           </a:defRPr>
         </a:defPPr>
         <a:lvl1pPr marL="0" marR="0" indent="0" algn="l" defTabSz="914400" rtl="0" fontAlgn="auto" latinLnBrk="1" hangingPunct="0">
@@ -5412,7 +5007,7 @@
               <a:noFill/>
             </a:ln>
             <a:solidFill>
-              <a:srgbClr val="0B0F14"/>
+              <a:srgbClr val="000000"/>
             </a:solidFill>
             <a:effectLst/>
             <a:uFillTx/>
@@ -5438,7 +5033,7 @@
               <a:noFill/>
             </a:ln>
             <a:solidFill>
-              <a:srgbClr val="0B0F14"/>
+              <a:srgbClr val="000000"/>
             </a:solidFill>
             <a:effectLst/>
             <a:uFillTx/>
@@ -5464,7 +5059,7 @@
               <a:noFill/>
             </a:ln>
             <a:solidFill>
-              <a:srgbClr val="0B0F14"/>
+              <a:srgbClr val="000000"/>
             </a:solidFill>
             <a:effectLst/>
             <a:uFillTx/>
@@ -5490,7 +5085,7 @@
               <a:noFill/>
             </a:ln>
             <a:solidFill>
-              <a:srgbClr val="0B0F14"/>
+              <a:srgbClr val="000000"/>
             </a:solidFill>
             <a:effectLst/>
             <a:uFillTx/>
@@ -5516,7 +5111,7 @@
               <a:noFill/>
             </a:ln>
             <a:solidFill>
-              <a:srgbClr val="0B0F14"/>
+              <a:srgbClr val="000000"/>
             </a:solidFill>
             <a:effectLst/>
             <a:uFillTx/>
@@ -5542,7 +5137,7 @@
               <a:noFill/>
             </a:ln>
             <a:solidFill>
-              <a:srgbClr val="0B0F14"/>
+              <a:srgbClr val="000000"/>
             </a:solidFill>
             <a:effectLst/>
             <a:uFillTx/>
@@ -5568,7 +5163,7 @@
               <a:noFill/>
             </a:ln>
             <a:solidFill>
-              <a:srgbClr val="0B0F14"/>
+              <a:srgbClr val="000000"/>
             </a:solidFill>
             <a:effectLst/>
             <a:uFillTx/>
@@ -5594,7 +5189,7 @@
               <a:noFill/>
             </a:ln>
             <a:solidFill>
-              <a:srgbClr val="0B0F14"/>
+              <a:srgbClr val="000000"/>
             </a:solidFill>
             <a:effectLst/>
             <a:uFillTx/>
@@ -5620,7 +5215,7 @@
               <a:noFill/>
             </a:ln>
             <a:solidFill>
-              <a:srgbClr val="0B0F14"/>
+              <a:srgbClr val="000000"/>
             </a:solidFill>
             <a:effectLst/>
             <a:uFillTx/>
@@ -5643,16 +5238,16 @@
   <a:themeElements>
     <a:clrScheme name="Stream_blue">
       <a:dk1>
-        <a:srgbClr val="0B0F14"/>
+        <a:srgbClr val="000000"/>
       </a:dk1>
       <a:lt1>
-        <a:srgbClr val="F8FAFC"/>
+        <a:srgbClr val="FFFFFF"/>
       </a:lt1>
       <a:dk2>
-        <a:srgbClr val="CBD5E1"/>
+        <a:srgbClr val="A7A7A7"/>
       </a:dk2>
       <a:lt2>
-        <a:srgbClr val="1B2430"/>
+        <a:srgbClr val="535353"/>
       </a:lt2>
       <a:accent1>
         <a:srgbClr val="7DD3FC"/>
@@ -5673,22 +5268,22 @@
         <a:srgbClr val="F6C453"/>
       </a:accent6>
       <a:hlink>
-        <a:srgbClr val="7DD3FC"/>
+        <a:srgbClr val="0000FF"/>
       </a:hlink>
       <a:folHlink>
-        <a:srgbClr val="A5B4FC"/>
+        <a:srgbClr val="FF00FF"/>
       </a:folHlink>
     </a:clrScheme>
     <a:fontScheme name="Stream_blue">
       <a:majorFont>
+        <a:latin typeface="Arial"/>
+        <a:ea typeface="Arial"/>
+        <a:cs typeface="Arial"/>
+      </a:majorFont>
+      <a:minorFont>
         <a:latin typeface="Helvetica"/>
         <a:ea typeface="Helvetica"/>
         <a:cs typeface="Helvetica"/>
-      </a:majorFont>
-      <a:minorFont>
-        <a:latin typeface="Arial"/>
-        <a:ea typeface="Arial"/>
-        <a:cs typeface="Arial"/>
       </a:minorFont>
     </a:fontScheme>
     <a:fmtScheme name="Stream_blue">
@@ -5872,7 +5467,7 @@
             <a:latin typeface="+mj-lt"/>
             <a:ea typeface="+mj-ea"/>
             <a:cs typeface="+mj-cs"/>
-            <a:sym typeface="Helvetica"/>
+            <a:sym typeface="Arial"/>
           </a:defRPr>
         </a:defPPr>
         <a:lvl1pPr marL="0" marR="0" indent="0" algn="l" defTabSz="914400" rtl="0" fontAlgn="auto" latinLnBrk="1" hangingPunct="0">
@@ -5895,7 +5490,7 @@
               <a:noFill/>
             </a:ln>
             <a:solidFill>
-              <a:srgbClr val="0B0F14"/>
+              <a:srgbClr val="000000"/>
             </a:solidFill>
             <a:effectLst/>
             <a:uFillTx/>
@@ -5921,7 +5516,7 @@
               <a:noFill/>
             </a:ln>
             <a:solidFill>
-              <a:srgbClr val="0B0F14"/>
+              <a:srgbClr val="000000"/>
             </a:solidFill>
             <a:effectLst/>
             <a:uFillTx/>
@@ -5947,7 +5542,7 @@
               <a:noFill/>
             </a:ln>
             <a:solidFill>
-              <a:srgbClr val="0B0F14"/>
+              <a:srgbClr val="000000"/>
             </a:solidFill>
             <a:effectLst/>
             <a:uFillTx/>
@@ -5973,7 +5568,7 @@
               <a:noFill/>
             </a:ln>
             <a:solidFill>
-              <a:srgbClr val="0B0F14"/>
+              <a:srgbClr val="000000"/>
             </a:solidFill>
             <a:effectLst/>
             <a:uFillTx/>
@@ -5999,7 +5594,7 @@
               <a:noFill/>
             </a:ln>
             <a:solidFill>
-              <a:srgbClr val="0B0F14"/>
+              <a:srgbClr val="000000"/>
             </a:solidFill>
             <a:effectLst/>
             <a:uFillTx/>
@@ -6025,7 +5620,7 @@
               <a:noFill/>
             </a:ln>
             <a:solidFill>
-              <a:srgbClr val="0B0F14"/>
+              <a:srgbClr val="000000"/>
             </a:solidFill>
             <a:effectLst/>
             <a:uFillTx/>
@@ -6051,7 +5646,7 @@
               <a:noFill/>
             </a:ln>
             <a:solidFill>
-              <a:srgbClr val="0B0F14"/>
+              <a:srgbClr val="000000"/>
             </a:solidFill>
             <a:effectLst/>
             <a:uFillTx/>
@@ -6077,7 +5672,7 @@
               <a:noFill/>
             </a:ln>
             <a:solidFill>
-              <a:srgbClr val="0B0F14"/>
+              <a:srgbClr val="000000"/>
             </a:solidFill>
             <a:effectLst/>
             <a:uFillTx/>
@@ -6103,7 +5698,7 @@
               <a:noFill/>
             </a:ln>
             <a:solidFill>
-              <a:srgbClr val="0B0F14"/>
+              <a:srgbClr val="000000"/>
             </a:solidFill>
             <a:effectLst/>
             <a:uFillTx/>
@@ -6154,7 +5749,7 @@
               <a:noFill/>
             </a:ln>
             <a:solidFill>
-              <a:srgbClr val="0B0F14"/>
+              <a:srgbClr val="000000"/>
             </a:solidFill>
             <a:effectLst/>
             <a:uFillTx/>
@@ -6180,7 +5775,7 @@
               <a:noFill/>
             </a:ln>
             <a:solidFill>
-              <a:srgbClr val="0B0F14"/>
+              <a:srgbClr val="000000"/>
             </a:solidFill>
             <a:effectLst/>
             <a:uFillTx/>
@@ -6206,7 +5801,7 @@
               <a:noFill/>
             </a:ln>
             <a:solidFill>
-              <a:srgbClr val="0B0F14"/>
+              <a:srgbClr val="000000"/>
             </a:solidFill>
             <a:effectLst/>
             <a:uFillTx/>
@@ -6232,7 +5827,7 @@
               <a:noFill/>
             </a:ln>
             <a:solidFill>
-              <a:srgbClr val="0B0F14"/>
+              <a:srgbClr val="000000"/>
             </a:solidFill>
             <a:effectLst/>
             <a:uFillTx/>
@@ -6258,7 +5853,7 @@
               <a:noFill/>
             </a:ln>
             <a:solidFill>
-              <a:srgbClr val="0B0F14"/>
+              <a:srgbClr val="000000"/>
             </a:solidFill>
             <a:effectLst/>
             <a:uFillTx/>
@@ -6284,7 +5879,7 @@
               <a:noFill/>
             </a:ln>
             <a:solidFill>
-              <a:srgbClr val="0B0F14"/>
+              <a:srgbClr val="000000"/>
             </a:solidFill>
             <a:effectLst/>
             <a:uFillTx/>
@@ -6310,7 +5905,7 @@
               <a:noFill/>
             </a:ln>
             <a:solidFill>
-              <a:srgbClr val="0B0F14"/>
+              <a:srgbClr val="000000"/>
             </a:solidFill>
             <a:effectLst/>
             <a:uFillTx/>
@@ -6336,7 +5931,7 @@
               <a:noFill/>
             </a:ln>
             <a:solidFill>
-              <a:srgbClr val="0B0F14"/>
+              <a:srgbClr val="000000"/>
             </a:solidFill>
             <a:effectLst/>
             <a:uFillTx/>
@@ -6362,7 +5957,7 @@
               <a:noFill/>
             </a:ln>
             <a:solidFill>
-              <a:srgbClr val="0B0F14"/>
+              <a:srgbClr val="000000"/>
             </a:solidFill>
             <a:effectLst/>
             <a:uFillTx/>
@@ -6388,7 +5983,7 @@
               <a:noFill/>
             </a:ln>
             <a:solidFill>
-              <a:srgbClr val="0B0F14"/>
+              <a:srgbClr val="000000"/>
             </a:solidFill>
             <a:effectLst/>
             <a:uFillTx/>
@@ -6443,7 +6038,7 @@
             <a:latin typeface="+mj-lt"/>
             <a:ea typeface="+mj-ea"/>
             <a:cs typeface="+mj-cs"/>
-            <a:sym typeface="Helvetica"/>
+            <a:sym typeface="Arial"/>
           </a:defRPr>
         </a:defPPr>
         <a:lvl1pPr marL="0" marR="0" indent="0" algn="l" defTabSz="914400" rtl="0" fontAlgn="auto" latinLnBrk="1" hangingPunct="0">
@@ -6466,7 +6061,7 @@
               <a:noFill/>
             </a:ln>
             <a:solidFill>
-              <a:srgbClr val="0B0F14"/>
+              <a:srgbClr val="000000"/>
             </a:solidFill>
             <a:effectLst/>
             <a:uFillTx/>
@@ -6492,7 +6087,7 @@
               <a:noFill/>
             </a:ln>
             <a:solidFill>
-              <a:srgbClr val="0B0F14"/>
+              <a:srgbClr val="000000"/>
             </a:solidFill>
             <a:effectLst/>
             <a:uFillTx/>
@@ -6518,7 +6113,7 @@
               <a:noFill/>
             </a:ln>
             <a:solidFill>
-              <a:srgbClr val="0B0F14"/>
+              <a:srgbClr val="000000"/>
             </a:solidFill>
             <a:effectLst/>
             <a:uFillTx/>
@@ -6544,7 +6139,7 @@
               <a:noFill/>
             </a:ln>
             <a:solidFill>
-              <a:srgbClr val="0B0F14"/>
+              <a:srgbClr val="000000"/>
             </a:solidFill>
             <a:effectLst/>
             <a:uFillTx/>
@@ -6570,7 +6165,7 @@
               <a:noFill/>
             </a:ln>
             <a:solidFill>
-              <a:srgbClr val="0B0F14"/>
+              <a:srgbClr val="000000"/>
             </a:solidFill>
             <a:effectLst/>
             <a:uFillTx/>
@@ -6596,7 +6191,7 @@
               <a:noFill/>
             </a:ln>
             <a:solidFill>
-              <a:srgbClr val="0B0F14"/>
+              <a:srgbClr val="000000"/>
             </a:solidFill>
             <a:effectLst/>
             <a:uFillTx/>
@@ -6622,7 +6217,7 @@
               <a:noFill/>
             </a:ln>
             <a:solidFill>
-              <a:srgbClr val="0B0F14"/>
+              <a:srgbClr val="000000"/>
             </a:solidFill>
             <a:effectLst/>
             <a:uFillTx/>
@@ -6648,7 +6243,7 @@
               <a:noFill/>
             </a:ln>
             <a:solidFill>
-              <a:srgbClr val="0B0F14"/>
+              <a:srgbClr val="000000"/>
             </a:solidFill>
             <a:effectLst/>
             <a:uFillTx/>
@@ -6674,7 +6269,7 @@
               <a:noFill/>
             </a:ln>
             <a:solidFill>
-              <a:srgbClr val="0B0F14"/>
+              <a:srgbClr val="000000"/>
             </a:solidFill>
             <a:effectLst/>
             <a:uFillTx/>

--- a/mvccc_master_modern_dark.pptx
+++ b/mvccc_master_modern_dark.pptx
@@ -3608,7 +3608,7 @@
       </a:lvl9pPr>
     </p:titleStyle>
     <p:bodyStyle>
-      <a:lvl1pPr marL="342900" marR="0" indent="-342900" algn="l" defTabSz="914400" rtl="0" latinLnBrk="0">
+      <a:lvl1pPr marL="0" marR="0" indent="0" algn="l" defTabSz="914400" rtl="0" latinLnBrk="0">
         <a:lnSpc>
           <a:spcPct val="100000"/>
         </a:lnSpc>

--- a/mvccc_master_modern_dark.pptx
+++ b/mvccc_master_modern_dark.pptx
@@ -768,7 +768,7 @@
 </file>
 
 <file path=ppt/slideLayouts/slideLayout3.xml><?xml version="1.0" encoding="utf-8"?>
-<p:sldLayout xmlns:a="http://schemas.openxmlformats.org/drawingml/2006/main" xmlns:r="http://schemas.openxmlformats.org/officeDocument/2006/relationships" xmlns:p="http://schemas.openxmlformats.org/presentationml/2006/main" xmlns:m="http://schemas.openxmlformats.org/officeDocument/2006/math" xmlns:a14="http://schemas.microsoft.com/office/drawing/2010/main" type="tx" showMasterSp="1" showMasterPhAnim="1">
+<p:sldLayout xmlns:a="http://schemas.openxmlformats.org/drawingml/2006/main" xmlns:p="http://schemas.openxmlformats.org/presentationml/2006/main" type="tx" showMasterSp="1" showMasterPhAnim="1">
   <p:cSld name="verse">
     <p:spTree>
       <p:nvGrpSpPr>
@@ -799,7 +799,16 @@
         </p:spPr>
         <p:txBody>
           <a:bodyPr/>
-          <a:lstStyle/>
+          <a:lstStyle>
+            <a:lvl1pPr>
+              <a:defRPr sz="5200" b="1">
+                <a:latin typeface="Helvetica Neue"/>
+                <a:ea typeface="Helvetica Neue"/>
+                <a:cs typeface="Helvetica Neue"/>
+                <a:sym typeface="Helvetica Neue"/>
+              </a:defRPr>
+            </a:lvl1pPr>
+          </a:lstStyle>
           <a:p>
             <a:pPr/>
             <a:r>
@@ -823,7 +832,19 @@
         </p:spPr>
         <p:txBody>
           <a:bodyPr/>
-          <a:lstStyle/>
+          <a:lstStyle>
+            <a:lvl1pPr>
+              <a:defRPr sz="3800">
+                <a:latin typeface="Helvetica Neue"/>
+                <a:ea typeface="Helvetica Neue"/>
+                <a:cs typeface="Helvetica Neue"/>
+                <a:sym typeface="Helvetica Neue"/>
+              </a:defRPr>
+              <a:lnSpc>
+                <a:spcPct val="120000"/>
+              </a:lnSpc>
+            </a:lvl1pPr>
+          </a:lstStyle>
           <a:p>
             <a:pPr/>
             <a:r>
@@ -859,12 +880,12 @@
   <p:clrMapOvr>
     <a:masterClrMapping/>
   </p:clrMapOvr>
-  <p:transition xmlns:p14="http://schemas.microsoft.com/office/powerpoint/2010/main" spd="med" advClick="1"/>
+  <p:transition spd="med" advClick="1"/>
 </p:sldLayout>
 </file>
 
 <file path=ppt/slideLayouts/slideLayout4.xml><?xml version="1.0" encoding="utf-8"?>
-<p:sldLayout xmlns:a="http://schemas.openxmlformats.org/drawingml/2006/main" xmlns:r="http://schemas.openxmlformats.org/officeDocument/2006/relationships" xmlns:p="http://schemas.openxmlformats.org/presentationml/2006/main" xmlns:m="http://schemas.openxmlformats.org/officeDocument/2006/math" xmlns:a14="http://schemas.microsoft.com/office/drawing/2010/main" type="tx" showMasterSp="1" showMasterPhAnim="1">
+<p:sldLayout xmlns:a="http://schemas.openxmlformats.org/drawingml/2006/main" xmlns:p="http://schemas.openxmlformats.org/presentationml/2006/main" type="tx" showMasterSp="1" showMasterPhAnim="1">
   <p:cSld name="memorize">
     <p:spTree>
       <p:nvGrpSpPr>
@@ -897,7 +918,7 @@
           <a:bodyPr/>
           <a:lstStyle>
             <a:lvl1pPr>
-              <a:defRPr b="1" sz="6000">
+              <a:defRPr b="1" sz="7200">
                 <a:latin typeface="Helvetica Neue"/>
                 <a:ea typeface="Helvetica Neue"/>
                 <a:cs typeface="Helvetica Neue"/>
@@ -928,7 +949,19 @@
         </p:spPr>
         <p:txBody>
           <a:bodyPr/>
-          <a:lstStyle/>
+          <a:lstStyle>
+            <a:lvl1pPr>
+              <a:defRPr sz="3800">
+                <a:latin typeface="Helvetica Neue"/>
+                <a:ea typeface="Helvetica Neue"/>
+                <a:cs typeface="Helvetica Neue"/>
+                <a:sym typeface="Helvetica Neue"/>
+              </a:defRPr>
+              <a:lnSpc>
+                <a:spcPct val="120000"/>
+              </a:lnSpc>
+            </a:lvl1pPr>
+          </a:lstStyle>
           <a:p>
             <a:pPr/>
             <a:r>
@@ -964,12 +997,12 @@
   <p:clrMapOvr>
     <a:masterClrMapping/>
   </p:clrMapOvr>
-  <p:transition xmlns:p14="http://schemas.microsoft.com/office/powerpoint/2010/main" spd="med" advClick="1"/>
+  <p:transition spd="med" advClick="1"/>
 </p:sldLayout>
 </file>
 
 <file path=ppt/slideLayouts/slideLayout5.xml><?xml version="1.0" encoding="utf-8"?>
-<p:sldLayout xmlns:a="http://schemas.openxmlformats.org/drawingml/2006/main" xmlns:r="http://schemas.openxmlformats.org/officeDocument/2006/relationships" xmlns:p="http://schemas.openxmlformats.org/presentationml/2006/main" xmlns:m="http://schemas.openxmlformats.org/officeDocument/2006/math" xmlns:a14="http://schemas.microsoft.com/office/drawing/2010/main" type="tx" showMasterSp="1" showMasterPhAnim="1">
+<p:sldLayout xmlns:a="http://schemas.openxmlformats.org/drawingml/2006/main" xmlns:p="http://schemas.openxmlformats.org/presentationml/2006/main" type="tx" showMasterSp="1" showMasterPhAnim="1">
   <p:cSld name="teaching">
     <p:spTree>
       <p:nvGrpSpPr>
@@ -1002,7 +1035,7 @@
           <a:bodyPr/>
           <a:lstStyle>
             <a:lvl1pPr>
-              <a:defRPr b="1" sz="6000">
+              <a:defRPr b="1" sz="5600">
                 <a:latin typeface="Helvetica Neue"/>
                 <a:ea typeface="Helvetica Neue"/>
                 <a:cs typeface="Helvetica Neue"/>
@@ -1034,7 +1067,17 @@
         <p:txBody>
           <a:bodyPr/>
           <a:lstStyle>
-            <a:lvl1pPr algn="ctr"/>
+            <a:lvl1pPr algn="ctr">
+              <a:defRPr sz="3600">
+                <a:latin typeface="Helvetica Neue"/>
+                <a:ea typeface="Helvetica Neue"/>
+                <a:cs typeface="Helvetica Neue"/>
+                <a:sym typeface="Helvetica Neue"/>
+              </a:defRPr>
+              <a:lnSpc>
+                <a:spcPct val="120000"/>
+              </a:lnSpc>
+            </a:lvl1pPr>
           </a:lstStyle>
           <a:p>
             <a:pPr/>
@@ -1071,12 +1114,12 @@
   <p:clrMapOvr>
     <a:masterClrMapping/>
   </p:clrMapOvr>
-  <p:transition xmlns:p14="http://schemas.microsoft.com/office/powerpoint/2010/main" spd="med" advClick="1"/>
+  <p:transition spd="med" advClick="1"/>
 </p:sldLayout>
 </file>
 
 <file path=ppt/slideLayouts/slideLayout6.xml><?xml version="1.0" encoding="utf-8"?>
-<p:sldLayout xmlns:a="http://schemas.openxmlformats.org/drawingml/2006/main" xmlns:r="http://schemas.openxmlformats.org/officeDocument/2006/relationships" xmlns:p="http://schemas.openxmlformats.org/presentationml/2006/main" xmlns:m="http://schemas.openxmlformats.org/officeDocument/2006/math" xmlns:a14="http://schemas.microsoft.com/office/drawing/2010/main" type="tx" showMasterSp="1" showMasterPhAnim="1">
+<p:sldLayout xmlns:a="http://schemas.openxmlformats.org/drawingml/2006/main" xmlns:p="http://schemas.openxmlformats.org/presentationml/2006/main" type="tx" showMasterSp="1" showMasterPhAnim="1">
   <p:cSld name="section">
     <p:spTree>
       <p:nvGrpSpPr>
@@ -1113,7 +1156,7 @@
           <a:bodyPr/>
           <a:lstStyle>
             <a:lvl1pPr>
-              <a:defRPr b="1">
+              <a:defRPr b="1" sz="7200">
                 <a:latin typeface="Helvetica Neue"/>
                 <a:ea typeface="Helvetica Neue"/>
                 <a:cs typeface="Helvetica Neue"/>
@@ -1156,7 +1199,7 @@
   <p:clrMapOvr>
     <a:masterClrMapping/>
   </p:clrMapOvr>
-  <p:transition xmlns:p14="http://schemas.microsoft.com/office/powerpoint/2010/main" spd="med" advClick="1"/>
+  <p:transition spd="med" advClick="1"/>
 </p:sldLayout>
 </file>
 
@@ -1337,7 +1380,7 @@
 </file>
 
 <file path=ppt/slideMasters/slideMaster1.xml><?xml version="1.0" encoding="utf-8"?>
-<p:sldMaster xmlns:a="http://schemas.openxmlformats.org/drawingml/2006/main" xmlns:r="http://schemas.openxmlformats.org/officeDocument/2006/relationships" xmlns:p="http://schemas.openxmlformats.org/presentationml/2006/main" xmlns:m="http://schemas.openxmlformats.org/officeDocument/2006/math" xmlns:a14="http://schemas.microsoft.com/office/drawing/2010/main">
+<p:sldMaster xmlns:a="http://schemas.openxmlformats.org/drawingml/2006/main" xmlns:ns3="http://schemas.microsoft.com/office/mac/drawingml/2011/main" xmlns:p="http://schemas.openxmlformats.org/presentationml/2006/main" xmlns:r="http://schemas.openxmlformats.org/officeDocument/2006/relationships">
   <p:cSld>
     <p:bg>
       <p:bgPr>
@@ -3187,7 +3230,7 @@
           </a:ln>
           <a:extLst>
             <a:ext uri="{C572A759-6A51-4108-AA02-DFA0A04FC94B}">
-              <ma14:wrappingTextBoxFlag xmlns:ma14="http://schemas.microsoft.com/office/mac/drawingml/2011/main" val="1"/>
+              <ns3:wrappingTextBoxFlag val="1"/>
             </a:ext>
           </a:extLst>
         </p:spPr>
@@ -3225,7 +3268,7 @@
           </a:ln>
           <a:extLst>
             <a:ext uri="{C572A759-6A51-4108-AA02-DFA0A04FC94B}">
-              <ma14:wrappingTextBoxFlag xmlns:ma14="http://schemas.microsoft.com/office/mac/drawingml/2011/main" val="1"/>
+              <ns3:wrappingTextBoxFlag val="1"/>
             </a:ext>
           </a:extLst>
         </p:spPr>
@@ -3324,7 +3367,7 @@
     <p:sldLayoutId id="2147483657" r:id="rId11"/>
     <p:sldLayoutId id="2147483658" r:id="rId12"/>
   </p:sldLayoutIdLst>
-  <p:transition xmlns:p14="http://schemas.microsoft.com/office/powerpoint/2010/main" spd="med" advClick="1"/>
+  <p:transition spd="med" advClick="1"/>
   <p:txStyles>
     <p:titleStyle>
       <a:lvl1pPr marL="0" marR="0" indent="0" algn="ctr" defTabSz="914400" rtl="0" latinLnBrk="0">
@@ -3342,7 +3385,7 @@
         <a:buFontTx/>
         <a:buNone/>
         <a:tabLst/>
-        <a:defRPr b="0" baseline="0" cap="none" i="0" spc="0" strike="noStrike" sz="5400" u="none">
+        <a:defRPr b="0" baseline="0" cap="none" i="0" spc="0" strike="noStrike" sz="6400" u="none">
           <a:solidFill>
             <a:schemeClr val="accent6"/>
           </a:solidFill>
@@ -3352,10 +3395,10 @@
             </a:outerShdw>
           </a:effectLst>
           <a:uFillTx/>
-          <a:latin typeface="PingFang TC Semibold"/>
-          <a:ea typeface="PingFang TC Semibold"/>
-          <a:cs typeface="PingFang TC Semibold"/>
-          <a:sym typeface="PingFang TC Semibold"/>
+          <a:latin typeface="Helvetica Neue"/>
+          <a:ea typeface="Helvetica Neue"/>
+          <a:cs typeface="Helvetica Neue"/>
+          <a:sym typeface="Helvetica Neue"/>
         </a:defRPr>
       </a:lvl1pPr>
       <a:lvl2pPr marL="0" marR="0" indent="0" algn="ctr" defTabSz="914400" rtl="0" latinLnBrk="0">
@@ -3623,7 +3666,7 @@
         <a:buFontTx/>
         <a:buNone/>
         <a:tabLst/>
-        <a:defRPr b="0" baseline="0" cap="none" i="0" spc="0" strike="noStrike" sz="4800" u="none">
+        <a:defRPr b="0" baseline="0" cap="none" i="0" spc="0" strike="noStrike" sz="4000" u="none">
           <a:solidFill>
             <a:schemeClr val="accent6"/>
           </a:solidFill>

--- a/mvccc_master_modern_dark.pptx
+++ b/mvccc_master_modern_dark.pptx
@@ -1002,120 +1002,128 @@
 </file>
 
 <file path=ppt/slideLayouts/slideLayout5.xml><?xml version="1.0" encoding="utf-8"?>
-<p:sldLayout xmlns:a="http://schemas.openxmlformats.org/drawingml/2006/main" xmlns:p="http://schemas.openxmlformats.org/presentationml/2006/main" type="tx" showMasterSp="1" showMasterPhAnim="1">
-  <p:cSld name="teaching">
-    <p:spTree>
-      <p:nvGrpSpPr>
-        <p:cNvPr id="1" name=""/>
-        <p:cNvGrpSpPr/>
-        <p:nvPr/>
-      </p:nvGrpSpPr>
-      <p:grpSpPr>
-        <a:xfrm>
-          <a:off x="0" y="0"/>
-          <a:ext cx="0" cy="0"/>
-          <a:chOff x="0" y="0"/>
-          <a:chExt cx="0" cy="0"/>
-        </a:xfrm>
-      </p:grpSpPr>
-      <p:sp>
-        <p:nvSpPr>
-          <p:cNvPr id="55" name="信息"/>
-          <p:cNvSpPr txBox="1"/>
-          <p:nvPr>
-            <p:ph type="title" hasCustomPrompt="1"/>
-          </p:nvPr>
-        </p:nvSpPr>
-        <p:spPr>
-          <a:prstGeom prst="rect">
-            <a:avLst/>
-          </a:prstGeom>
-        </p:spPr>
-        <p:txBody>
-          <a:bodyPr/>
-          <a:lstStyle>
-            <a:lvl1pPr>
-              <a:defRPr b="1" sz="5600">
-                <a:latin typeface="Helvetica Neue"/>
-                <a:ea typeface="Helvetica Neue"/>
-                <a:cs typeface="Helvetica Neue"/>
-                <a:sym typeface="Helvetica Neue"/>
-              </a:defRPr>
-            </a:lvl1pPr>
-          </a:lstStyle>
-          <a:p>
-            <a:pPr/>
-            <a:r>
-              <a:t>信息</a:t>
-            </a:r>
-          </a:p>
-        </p:txBody>
-      </p:sp>
-      <p:sp>
-        <p:nvSpPr>
-          <p:cNvPr id="56" name="Body Level One…"/>
-          <p:cNvSpPr txBox="1"/>
-          <p:nvPr>
-            <p:ph type="body" idx="21" hasCustomPrompt="1"/>
-          </p:nvPr>
-        </p:nvSpPr>
-        <p:spPr>
-          <a:prstGeom prst="rect">
-            <a:avLst/>
-          </a:prstGeom>
-        </p:spPr>
-        <p:txBody>
-          <a:bodyPr/>
-          <a:lstStyle>
-            <a:lvl1pPr algn="ctr">
-              <a:defRPr sz="3600">
-                <a:latin typeface="Helvetica Neue"/>
-                <a:ea typeface="Helvetica Neue"/>
-                <a:cs typeface="Helvetica Neue"/>
-                <a:sym typeface="Helvetica Neue"/>
-              </a:defRPr>
-              <a:lnSpc>
-                <a:spcPct val="120000"/>
-              </a:lnSpc>
-            </a:lvl1pPr>
-          </a:lstStyle>
-          <a:p>
-            <a:pPr/>
-            <a:r>
-              <a:t>神愛世人</a:t>
-            </a:r>
-          </a:p>
-        </p:txBody>
-      </p:sp>
-      <p:sp>
-        <p:nvSpPr>
-          <p:cNvPr id="57" name="Slide Number"/>
-          <p:cNvSpPr txBox="1"/>
-          <p:nvPr>
-            <p:ph type="sldNum" sz="quarter" idx="2"/>
-          </p:nvPr>
-        </p:nvSpPr>
-        <p:spPr>
-          <a:prstGeom prst="rect">
-            <a:avLst/>
-          </a:prstGeom>
-        </p:spPr>
-        <p:txBody>
-          <a:bodyPr/>
-          <a:lstStyle/>
-          <a:p>
-            <a:pPr/>
-            <a:fld id="{86CB4B4D-7CA3-9044-876B-883B54F8677D}" type="slidenum"/>
-          </a:p>
-        </p:txBody>
-      </p:sp>
-    </p:spTree>
-  </p:cSld>
-  <p:clrMapOvr>
-    <a:masterClrMapping/>
-  </p:clrMapOvr>
-  <p:transition spd="med" advClick="1"/>
-</p:sldLayout>
+<ns0:sldLayout xmlns:ns0="http://schemas.openxmlformats.org/presentationml/2006/main" xmlns:ns1="http://schemas.openxmlformats.org/drawingml/2006/main" type="tx" showMasterSp="1" showMasterPhAnim="1">
+  <ns0:cSld name="teaching">
+    <ns0:spTree>
+      <ns0:nvGrpSpPr>
+        <ns0:cNvPr id="1" name=""/>
+        <ns0:cNvGrpSpPr/>
+        <ns0:nvPr/>
+      </ns0:nvGrpSpPr>
+      <ns0:grpSpPr>
+        <ns1:xfrm>
+          <ns1:off x="0" y="0"/>
+          <ns1:ext cx="0" cy="0"/>
+          <ns1:chOff x="0" y="0"/>
+          <ns1:chExt cx="0" cy="0"/>
+        </ns1:xfrm>
+      </ns0:grpSpPr>
+      <ns0:sp>
+        <ns0:nvSpPr>
+          <ns0:cNvPr id="55" name="信息"/>
+          <ns0:cNvSpPr txBox="1"/>
+          <ns0:nvPr>
+            <ns0:ph type="title" hasCustomPrompt="1"/>
+          </ns0:nvPr>
+        </ns0:nvSpPr>
+        <ns0:spPr>
+          <ns1:prstGeom prst="rect">
+            <ns1:avLst/>
+          </ns1:prstGeom>
+          <ns1:xfrm>
+            <ns1:off x="548640" y="2377440"/>
+            <ns1:ext cx="11094720" cy="1097280"/>
+          </ns1:xfrm>
+        </ns0:spPr>
+        <ns0:txBody>
+          <ns1:bodyPr/>
+          <ns1:lstStyle>
+            <ns1:lvl1pPr>
+              <ns1:defRPr b="1" sz="5200">
+                <ns1:latin typeface="Helvetica Neue"/>
+                <ns1:ea typeface="Helvetica Neue"/>
+                <ns1:cs typeface="Helvetica Neue"/>
+                <ns1:sym typeface="Helvetica Neue"/>
+              </ns1:defRPr>
+            </ns1:lvl1pPr>
+          </ns1:lstStyle>
+          <ns1:p>
+            <ns1:pPr/>
+            <ns1:r>
+              <ns1:t>信息</ns1:t>
+            </ns1:r>
+          </ns1:p>
+        </ns0:txBody>
+      </ns0:sp>
+      <ns0:sp>
+        <ns0:nvSpPr>
+          <ns0:cNvPr id="56" name="Body Level One…"/>
+          <ns0:cNvSpPr txBox="1"/>
+          <ns0:nvPr>
+            <ns0:ph type="body" idx="21" hasCustomPrompt="1"/>
+          </ns0:nvPr>
+        </ns0:nvSpPr>
+        <ns0:spPr>
+          <ns1:prstGeom prst="rect">
+            <ns1:avLst/>
+          </ns1:prstGeom>
+          <ns1:xfrm>
+            <ns1:off x="548640" y="4023360"/>
+            <ns1:ext cx="11094720" cy="822960"/>
+          </ns1:xfrm>
+        </ns0:spPr>
+        <ns0:txBody>
+          <ns1:bodyPr/>
+          <ns1:lstStyle>
+            <ns1:lvl1pPr algn="ctr">
+              <ns1:defRPr sz="4000">
+                <ns1:latin typeface="Helvetica Neue"/>
+                <ns1:ea typeface="Helvetica Neue"/>
+                <ns1:cs typeface="Helvetica Neue"/>
+                <ns1:sym typeface="Helvetica Neue"/>
+              </ns1:defRPr>
+              <ns1:lnSpc>
+                <ns1:spcPct val="120000"/>
+              </ns1:lnSpc>
+            </ns1:lvl1pPr>
+          </ns1:lstStyle>
+          <ns1:p>
+            <ns1:pPr/>
+            <ns1:r>
+              <ns1:t>神愛世人</ns1:t>
+            </ns1:r>
+          </ns1:p>
+        </ns0:txBody>
+      </ns0:sp>
+      <ns0:sp>
+        <ns0:nvSpPr>
+          <ns0:cNvPr id="57" name="Slide Number"/>
+          <ns0:cNvSpPr txBox="1"/>
+          <ns0:nvPr>
+            <ns0:ph type="sldNum" sz="quarter" idx="2"/>
+          </ns0:nvPr>
+        </ns0:nvSpPr>
+        <ns0:spPr>
+          <ns1:prstGeom prst="rect">
+            <ns1:avLst/>
+          </ns1:prstGeom>
+        </ns0:spPr>
+        <ns0:txBody>
+          <ns1:bodyPr/>
+          <ns1:lstStyle/>
+          <ns1:p>
+            <ns1:pPr/>
+            <ns1:fld id="{86CB4B4D-7CA3-9044-876B-883B54F8677D}" type="slidenum"/>
+          </ns1:p>
+        </ns0:txBody>
+      </ns0:sp>
+    </ns0:spTree>
+  </ns0:cSld>
+  <ns0:clrMapOvr>
+    <ns1:masterClrMapping/>
+  </ns0:clrMapOvr>
+  <ns0:transition spd="med" advClick="1"/>
+</ns0:sldLayout>
 </file>
 
 <file path=ppt/slideLayouts/slideLayout6.xml><?xml version="1.0" encoding="utf-8"?>

--- a/mvccc_master_modern_dark.pptx
+++ b/mvccc_master_modern_dark.pptx
@@ -1334,8 +1334,8 @@
         </p:nvSpPr>
         <p:spPr>
           <a:xfrm>
-            <a:off x="1158086" y="2743200"/>
-            <a:ext cx="9875521" cy="1371600"/>
+            <a:off x="1158086" y="1800000"/>
+            <a:ext cx="9875521" cy="3200000"/>
           </a:xfrm>
           <a:prstGeom prst="rect">
             <a:avLst/>
@@ -1343,7 +1343,24 @@
         </p:spPr>
         <p:txBody>
           <a:bodyPr/>
-          <a:lstStyle/>
+          <a:lstStyle>
+            <a:lvl1pPr>
+              <a:defRPr sz="4000">
+                <a:latin typeface="Helvetica Neue"/>
+                <a:ea typeface="Helvetica Neue"/>
+                <a:cs typeface="Helvetica Neue"/>
+                <a:sym typeface="Helvetica Neue"/>
+              </a:defRPr>
+            </a:lvl1pPr>
+            <a:lvl2pPr>
+              <a:defRPr b="1" sz="8000">
+                <a:latin typeface="Helvetica Neue"/>
+                <a:ea typeface="Helvetica Neue"/>
+                <a:cs typeface="Helvetica Neue"/>
+                <a:sym typeface="Helvetica Neue"/>
+              </a:defRPr>
+            </a:lvl2pPr>
+          </a:lstStyle>
           <a:p>
             <a:pPr/>
             <a:r>

--- a/mvccc_master_modern_dark.pptx
+++ b/mvccc_master_modern_dark.pptx
@@ -834,7 +834,7 @@
           <a:bodyPr/>
           <a:lstStyle>
             <a:lvl1pPr>
-              <a:defRPr sz="3800">
+              <a:defRPr sz="4800">
                 <a:latin typeface="Helvetica Neue"/>
                 <a:ea typeface="Helvetica Neue"/>
                 <a:cs typeface="Helvetica Neue"/>
